--- a/rlproject/reference/FinalPresentationPPT.pptx
+++ b/rlproject/reference/FinalPresentationPPT.pptx
@@ -3613,8 +3613,8 @@
         </p:nvSpPr>
         <p:spPr>
           <a:xfrm>
-            <a:off x="5932968" y="2024578"/>
-            <a:ext cx="5952138" cy="5078313"/>
+            <a:off x="6096000" y="2008610"/>
+            <a:ext cx="5331906" cy="5078313"/>
           </a:xfrm>
           <a:prstGeom prst="rect">
             <a:avLst/>
@@ -3627,6 +3627,10 @@
           </a:bodyPr>
           <a:lstStyle/>
           <a:p>
+            <a:r>
+              <a:rPr lang="en-US" altLang="zh-CN" sz="1400" dirty="0"/>
+              <a:t>Buffer </a:t>
+            </a:r>
             <a:r>
               <a:rPr lang="en-US" altLang="zh-CN" sz="1400" dirty="0" err="1"/>
               <a:t>Json</a:t>
@@ -4008,41 +4012,6 @@
           </a:p>
         </p:txBody>
       </p:sp>
-      <p:pic>
-        <p:nvPicPr>
-          <p:cNvPr id="34" name="图片 33" descr="图片包含 室内, 桌子, 小, 打开&#10;&#10;描述已自动生成">
-            <a:extLst>
-              <a:ext uri="{FF2B5EF4-FFF2-40B4-BE49-F238E27FC236}">
-                <a16:creationId xmlns:a16="http://schemas.microsoft.com/office/drawing/2014/main" id="{12C75F7E-3B1B-D9BD-D565-E1DE327C343E}"/>
-              </a:ext>
-            </a:extLst>
-          </p:cNvPr>
-          <p:cNvPicPr>
-            <a:picLocks noChangeAspect="1"/>
-          </p:cNvPicPr>
-          <p:nvPr/>
-        </p:nvPicPr>
-        <p:blipFill rotWithShape="1">
-          <a:blip r:embed="rId2">
-            <a:extLst>
-              <a:ext uri="{28A0092B-C50C-407E-A947-70E740481C1C}">
-                <a14:useLocalDpi xmlns:a14="http://schemas.microsoft.com/office/drawing/2010/main" val="0"/>
-              </a:ext>
-            </a:extLst>
-          </a:blip>
-          <a:srcRect l="15041" r="17235"/>
-          <a:stretch/>
-        </p:blipFill>
-        <p:spPr>
-          <a:xfrm>
-            <a:off x="8079753" y="2166618"/>
-            <a:ext cx="3238816" cy="3582600"/>
-          </a:xfrm>
-          <a:prstGeom prst="rect">
-            <a:avLst/>
-          </a:prstGeom>
-        </p:spPr>
-      </p:pic>
       <p:cxnSp>
         <p:nvCxnSpPr>
           <p:cNvPr id="39" name="直接箭头连接符 38">
@@ -4798,6 +4767,42 @@
           </a:p>
         </p:txBody>
       </p:sp>
+      <p:pic>
+        <p:nvPicPr>
+          <p:cNvPr id="3" name="图片 2" descr="桌子上摆放着黑色的机器&#10;&#10;低可信度描述已自动生成">
+            <a:extLst>
+              <a:ext uri="{FF2B5EF4-FFF2-40B4-BE49-F238E27FC236}">
+                <a16:creationId xmlns:a16="http://schemas.microsoft.com/office/drawing/2014/main" id="{AB7582E3-87E2-5FD1-7CC6-7E792C3EB99D}"/>
+              </a:ext>
+            </a:extLst>
+          </p:cNvPr>
+          <p:cNvPicPr>
+            <a:picLocks noChangeAspect="1"/>
+          </p:cNvPicPr>
+          <p:nvPr/>
+        </p:nvPicPr>
+        <p:blipFill>
+          <a:blip r:embed="rId2">
+            <a:extLst>
+              <a:ext uri="{28A0092B-C50C-407E-A947-70E740481C1C}">
+                <a14:useLocalDpi xmlns:a14="http://schemas.microsoft.com/office/drawing/2010/main" val="0"/>
+              </a:ext>
+            </a:extLst>
+          </a:blip>
+          <a:stretch>
+            <a:fillRect/>
+          </a:stretch>
+        </p:blipFill>
+        <p:spPr>
+          <a:xfrm>
+            <a:off x="8062694" y="2531049"/>
+            <a:ext cx="3255875" cy="2596560"/>
+          </a:xfrm>
+          <a:prstGeom prst="rect">
+            <a:avLst/>
+          </a:prstGeom>
+        </p:spPr>
+      </p:pic>
     </p:spTree>
     <p:extLst>
       <p:ext uri="{BB962C8B-B14F-4D97-AF65-F5344CB8AC3E}">
@@ -4828,738 +4833,813 @@
           <a:chExt cx="0" cy="0"/>
         </a:xfrm>
       </p:grpSpPr>
-      <p:sp>
-        <p:nvSpPr>
-          <p:cNvPr id="19" name="文本框 18">
-            <a:extLst>
-              <a:ext uri="{FF2B5EF4-FFF2-40B4-BE49-F238E27FC236}">
-                <a16:creationId xmlns:a16="http://schemas.microsoft.com/office/drawing/2014/main" id="{07A3DF35-C203-2F6C-F88E-7AE7CED4ED58}"/>
-              </a:ext>
-            </a:extLst>
-          </p:cNvPr>
-          <p:cNvSpPr txBox="1"/>
+      <p:grpSp>
+        <p:nvGrpSpPr>
+          <p:cNvPr id="5" name="组合 4">
+            <a:extLst>
+              <a:ext uri="{FF2B5EF4-FFF2-40B4-BE49-F238E27FC236}">
+                <a16:creationId xmlns:a16="http://schemas.microsoft.com/office/drawing/2014/main" id="{9DF71846-4801-6F08-7192-51A8AEDC8C48}"/>
+              </a:ext>
+            </a:extLst>
+          </p:cNvPr>
+          <p:cNvGrpSpPr/>
           <p:nvPr/>
-        </p:nvSpPr>
-        <p:spPr>
-          <a:xfrm>
-            <a:off x="5266335" y="3578653"/>
-            <a:ext cx="971741" cy="369332"/>
+        </p:nvGrpSpPr>
+        <p:grpSpPr>
+          <a:xfrm>
+            <a:off x="306773" y="1194611"/>
+            <a:ext cx="5615596" cy="1597750"/>
+            <a:chOff x="395476" y="152384"/>
+            <a:chExt cx="5615596" cy="1597750"/>
+          </a:xfrm>
+        </p:grpSpPr>
+        <p:sp>
+          <p:nvSpPr>
+            <p:cNvPr id="28" name="矩形 27">
+              <a:extLst>
+                <a:ext uri="{FF2B5EF4-FFF2-40B4-BE49-F238E27FC236}">
+                  <a16:creationId xmlns:a16="http://schemas.microsoft.com/office/drawing/2014/main" id="{F53C8B22-2830-1085-AB82-CFD7DE6183BD}"/>
+                </a:ext>
+              </a:extLst>
+            </p:cNvPr>
+            <p:cNvSpPr/>
+            <p:nvPr/>
+          </p:nvSpPr>
+          <p:spPr>
+            <a:xfrm>
+              <a:off x="2435486" y="630352"/>
+              <a:ext cx="1734770" cy="971672"/>
+            </a:xfrm>
+            <a:prstGeom prst="rect">
+              <a:avLst/>
+            </a:prstGeom>
+          </p:spPr>
+          <p:style>
+            <a:lnRef idx="2">
+              <a:schemeClr val="accent1">
+                <a:shade val="50000"/>
+              </a:schemeClr>
+            </a:lnRef>
+            <a:fillRef idx="1">
+              <a:schemeClr val="accent1"/>
+            </a:fillRef>
+            <a:effectRef idx="0">
+              <a:schemeClr val="accent1"/>
+            </a:effectRef>
+            <a:fontRef idx="minor">
+              <a:schemeClr val="lt1"/>
+            </a:fontRef>
+          </p:style>
+          <p:txBody>
+            <a:bodyPr rtlCol="0" anchor="ctr"/>
+            <a:lstStyle/>
+            <a:p>
+              <a:pPr algn="ctr"/>
+              <a:r>
+                <a:rPr lang="en-US" altLang="zh-CN" dirty="0"/>
+                <a:t>Stage update</a:t>
+              </a:r>
+              <a:endParaRPr lang="zh-CN" altLang="en-US" dirty="0"/>
+            </a:p>
+          </p:txBody>
+        </p:sp>
+        <p:cxnSp>
+          <p:nvCxnSpPr>
+            <p:cNvPr id="32" name="直接箭头连接符 31">
+              <a:extLst>
+                <a:ext uri="{FF2B5EF4-FFF2-40B4-BE49-F238E27FC236}">
+                  <a16:creationId xmlns:a16="http://schemas.microsoft.com/office/drawing/2014/main" id="{7C698379-A78A-6F88-5578-498D14CAD62D}"/>
+                </a:ext>
+              </a:extLst>
+            </p:cNvPr>
+            <p:cNvCxnSpPr>
+              <a:cxnSpLocks/>
+            </p:cNvCxnSpPr>
+            <p:nvPr/>
+          </p:nvCxnSpPr>
+          <p:spPr>
+            <a:xfrm>
+              <a:off x="395476" y="864356"/>
+              <a:ext cx="2040010" cy="0"/>
+            </a:xfrm>
+            <a:prstGeom prst="straightConnector1">
+              <a:avLst/>
+            </a:prstGeom>
+            <a:ln>
+              <a:tailEnd type="triangle"/>
+            </a:ln>
+          </p:spPr>
+          <p:style>
+            <a:lnRef idx="1">
+              <a:schemeClr val="accent1"/>
+            </a:lnRef>
+            <a:fillRef idx="0">
+              <a:schemeClr val="accent1"/>
+            </a:fillRef>
+            <a:effectRef idx="0">
+              <a:schemeClr val="accent1"/>
+            </a:effectRef>
+            <a:fontRef idx="minor">
+              <a:schemeClr val="tx1"/>
+            </a:fontRef>
+          </p:style>
+        </p:cxnSp>
+        <p:sp>
+          <p:nvSpPr>
+            <p:cNvPr id="40" name="文本框 39">
+              <a:extLst>
+                <a:ext uri="{FF2B5EF4-FFF2-40B4-BE49-F238E27FC236}">
+                  <a16:creationId xmlns:a16="http://schemas.microsoft.com/office/drawing/2014/main" id="{C1F272FD-C561-6B72-77E2-87D3A2EA5DEE}"/>
+                </a:ext>
+              </a:extLst>
+            </p:cNvPr>
+            <p:cNvSpPr txBox="1"/>
+            <p:nvPr/>
+          </p:nvSpPr>
+          <p:spPr>
+            <a:xfrm>
+              <a:off x="395476" y="498703"/>
+              <a:ext cx="1734770" cy="369332"/>
+            </a:xfrm>
+            <a:prstGeom prst="rect">
+              <a:avLst/>
+            </a:prstGeom>
+            <a:noFill/>
+          </p:spPr>
+          <p:txBody>
+            <a:bodyPr wrap="square">
+              <a:spAutoFit/>
+            </a:bodyPr>
+            <a:lstStyle/>
+            <a:p>
+              <a:r>
+                <a:rPr lang="en-US" altLang="zh-CN" dirty="0"/>
+                <a:t>Int </a:t>
+              </a:r>
+              <a:r>
+                <a:rPr lang="en-US" altLang="zh-CN" dirty="0" err="1"/>
+                <a:t>cur_stage</a:t>
+              </a:r>
+              <a:endParaRPr lang="zh-CN" altLang="en-US" dirty="0"/>
+            </a:p>
+          </p:txBody>
+        </p:sp>
+        <p:cxnSp>
+          <p:nvCxnSpPr>
+            <p:cNvPr id="41" name="直接箭头连接符 40">
+              <a:extLst>
+                <a:ext uri="{FF2B5EF4-FFF2-40B4-BE49-F238E27FC236}">
+                  <a16:creationId xmlns:a16="http://schemas.microsoft.com/office/drawing/2014/main" id="{B01F097B-3E94-AF84-D28D-92E5A0A5648B}"/>
+                </a:ext>
+              </a:extLst>
+            </p:cNvPr>
+            <p:cNvCxnSpPr>
+              <a:cxnSpLocks/>
+            </p:cNvCxnSpPr>
+            <p:nvPr/>
+          </p:nvCxnSpPr>
+          <p:spPr>
+            <a:xfrm>
+              <a:off x="395476" y="1384309"/>
+              <a:ext cx="2040010" cy="0"/>
+            </a:xfrm>
+            <a:prstGeom prst="straightConnector1">
+              <a:avLst/>
+            </a:prstGeom>
+            <a:ln>
+              <a:tailEnd type="triangle"/>
+            </a:ln>
+          </p:spPr>
+          <p:style>
+            <a:lnRef idx="1">
+              <a:schemeClr val="accent1"/>
+            </a:lnRef>
+            <a:fillRef idx="0">
+              <a:schemeClr val="accent1"/>
+            </a:fillRef>
+            <a:effectRef idx="0">
+              <a:schemeClr val="accent1"/>
+            </a:effectRef>
+            <a:fontRef idx="minor">
+              <a:schemeClr val="tx1"/>
+            </a:fontRef>
+          </p:style>
+        </p:cxnSp>
+        <p:sp>
+          <p:nvSpPr>
+            <p:cNvPr id="42" name="文本框 41">
+              <a:extLst>
+                <a:ext uri="{FF2B5EF4-FFF2-40B4-BE49-F238E27FC236}">
+                  <a16:creationId xmlns:a16="http://schemas.microsoft.com/office/drawing/2014/main" id="{6C004326-75BB-D5BF-7EE5-21602AF59ECB}"/>
+                </a:ext>
+              </a:extLst>
+            </p:cNvPr>
+            <p:cNvSpPr txBox="1"/>
+            <p:nvPr/>
+          </p:nvSpPr>
+          <p:spPr>
+            <a:xfrm>
+              <a:off x="395476" y="1380802"/>
+              <a:ext cx="1586753" cy="369332"/>
+            </a:xfrm>
+            <a:prstGeom prst="rect">
+              <a:avLst/>
+            </a:prstGeom>
+            <a:noFill/>
+          </p:spPr>
+          <p:txBody>
+            <a:bodyPr wrap="square">
+              <a:spAutoFit/>
+            </a:bodyPr>
+            <a:lstStyle/>
+            <a:p>
+              <a:r>
+                <a:rPr lang="en-US" altLang="zh-CN" dirty="0" err="1"/>
+                <a:t>Get_state</a:t>
+              </a:r>
+              <a:r>
+                <a:rPr lang="en-US" altLang="zh-CN" dirty="0"/>
+                <a:t>()</a:t>
+              </a:r>
+              <a:endParaRPr lang="zh-CN" altLang="en-US" dirty="0"/>
+            </a:p>
+          </p:txBody>
+        </p:sp>
+        <p:cxnSp>
+          <p:nvCxnSpPr>
+            <p:cNvPr id="44" name="直接箭头连接符 43">
+              <a:extLst>
+                <a:ext uri="{FF2B5EF4-FFF2-40B4-BE49-F238E27FC236}">
+                  <a16:creationId xmlns:a16="http://schemas.microsoft.com/office/drawing/2014/main" id="{EBCFC3B6-D73B-9049-C95E-1BD40A5F5E0F}"/>
+                </a:ext>
+              </a:extLst>
+            </p:cNvPr>
+            <p:cNvCxnSpPr>
+              <a:cxnSpLocks/>
+              <a:stCxn id="28" idx="3"/>
+            </p:cNvCxnSpPr>
+            <p:nvPr/>
+          </p:nvCxnSpPr>
+          <p:spPr>
+            <a:xfrm>
+              <a:off x="4170256" y="1116188"/>
+              <a:ext cx="897064" cy="2687"/>
+            </a:xfrm>
+            <a:prstGeom prst="straightConnector1">
+              <a:avLst/>
+            </a:prstGeom>
+            <a:ln>
+              <a:tailEnd type="triangle"/>
+            </a:ln>
+          </p:spPr>
+          <p:style>
+            <a:lnRef idx="1">
+              <a:schemeClr val="accent1"/>
+            </a:lnRef>
+            <a:fillRef idx="0">
+              <a:schemeClr val="accent1"/>
+            </a:fillRef>
+            <a:effectRef idx="0">
+              <a:schemeClr val="accent1"/>
+            </a:effectRef>
+            <a:fontRef idx="minor">
+              <a:schemeClr val="tx1"/>
+            </a:fontRef>
+          </p:style>
+        </p:cxnSp>
+        <p:sp>
+          <p:nvSpPr>
+            <p:cNvPr id="45" name="文本框 44">
+              <a:extLst>
+                <a:ext uri="{FF2B5EF4-FFF2-40B4-BE49-F238E27FC236}">
+                  <a16:creationId xmlns:a16="http://schemas.microsoft.com/office/drawing/2014/main" id="{3B68AD26-8F59-3E66-23A7-6845022EB917}"/>
+                </a:ext>
+              </a:extLst>
+            </p:cNvPr>
+            <p:cNvSpPr txBox="1"/>
+            <p:nvPr/>
+          </p:nvSpPr>
+          <p:spPr>
+            <a:xfrm>
+              <a:off x="4224342" y="724465"/>
+              <a:ext cx="1604089" cy="369332"/>
+            </a:xfrm>
+            <a:prstGeom prst="rect">
+              <a:avLst/>
+            </a:prstGeom>
+            <a:noFill/>
+          </p:spPr>
+          <p:txBody>
+            <a:bodyPr wrap="square">
+              <a:spAutoFit/>
+            </a:bodyPr>
+            <a:lstStyle/>
+            <a:p>
+              <a:r>
+                <a:rPr lang="en-US" altLang="zh-CN" dirty="0"/>
+                <a:t>Int </a:t>
+              </a:r>
+              <a:r>
+                <a:rPr lang="en-US" altLang="zh-CN" dirty="0" err="1"/>
+                <a:t>new_stage</a:t>
+              </a:r>
+              <a:endParaRPr lang="zh-CN" altLang="en-US" dirty="0"/>
+            </a:p>
+          </p:txBody>
+        </p:sp>
+        <p:sp>
+          <p:nvSpPr>
+            <p:cNvPr id="46" name="文本框 45">
+              <a:extLst>
+                <a:ext uri="{FF2B5EF4-FFF2-40B4-BE49-F238E27FC236}">
+                  <a16:creationId xmlns:a16="http://schemas.microsoft.com/office/drawing/2014/main" id="{948DD500-5A68-8102-416A-F24A377F71A1}"/>
+                </a:ext>
+              </a:extLst>
+            </p:cNvPr>
+            <p:cNvSpPr txBox="1"/>
+            <p:nvPr/>
+          </p:nvSpPr>
+          <p:spPr>
+            <a:xfrm>
+              <a:off x="4276302" y="1172053"/>
+              <a:ext cx="1734770" cy="369332"/>
+            </a:xfrm>
+            <a:prstGeom prst="rect">
+              <a:avLst/>
+            </a:prstGeom>
+            <a:noFill/>
+          </p:spPr>
+          <p:txBody>
+            <a:bodyPr wrap="square">
+              <a:spAutoFit/>
+            </a:bodyPr>
+            <a:lstStyle/>
+            <a:p>
+              <a:r>
+                <a:rPr lang="en-US" altLang="zh-CN" dirty="0" err="1"/>
+                <a:t>update_Stage</a:t>
+              </a:r>
+              <a:r>
+                <a:rPr lang="en-US" altLang="zh-CN" dirty="0"/>
+                <a:t>()</a:t>
+              </a:r>
+              <a:endParaRPr lang="zh-CN" altLang="en-US" dirty="0"/>
+            </a:p>
+          </p:txBody>
+        </p:sp>
+        <p:sp>
+          <p:nvSpPr>
+            <p:cNvPr id="47" name="文本框 46">
+              <a:extLst>
+                <a:ext uri="{FF2B5EF4-FFF2-40B4-BE49-F238E27FC236}">
+                  <a16:creationId xmlns:a16="http://schemas.microsoft.com/office/drawing/2014/main" id="{7CA9736F-B79E-177C-57AA-82EF4E98CC2E}"/>
+                </a:ext>
+              </a:extLst>
+            </p:cNvPr>
+            <p:cNvSpPr txBox="1"/>
+            <p:nvPr/>
+          </p:nvSpPr>
+          <p:spPr>
+            <a:xfrm>
+              <a:off x="3448167" y="152384"/>
+              <a:ext cx="776175" cy="369332"/>
+            </a:xfrm>
+            <a:prstGeom prst="rect">
+              <a:avLst/>
+            </a:prstGeom>
+            <a:noFill/>
+          </p:spPr>
+          <p:txBody>
+            <a:bodyPr wrap="none" rtlCol="0">
+              <a:spAutoFit/>
+            </a:bodyPr>
+            <a:lstStyle/>
+            <a:p>
+              <a:r>
+                <a:rPr lang="en-US" altLang="zh-CN" b="1" dirty="0"/>
+                <a:t>Stage</a:t>
+              </a:r>
+              <a:endParaRPr lang="zh-CN" altLang="en-US" b="1" dirty="0"/>
+            </a:p>
+          </p:txBody>
+        </p:sp>
+      </p:grpSp>
+      <p:grpSp>
+        <p:nvGrpSpPr>
+          <p:cNvPr id="6" name="组合 5">
+            <a:extLst>
+              <a:ext uri="{FF2B5EF4-FFF2-40B4-BE49-F238E27FC236}">
+                <a16:creationId xmlns:a16="http://schemas.microsoft.com/office/drawing/2014/main" id="{F209B9F7-E682-B307-62B5-C0395034A729}"/>
+              </a:ext>
+            </a:extLst>
+          </p:cNvPr>
+          <p:cNvGrpSpPr/>
+          <p:nvPr/>
+        </p:nvGrpSpPr>
+        <p:grpSpPr>
+          <a:xfrm>
+            <a:off x="393355" y="3012482"/>
+            <a:ext cx="5624281" cy="1725596"/>
+            <a:chOff x="540772" y="4157822"/>
+            <a:chExt cx="5624281" cy="1725596"/>
+          </a:xfrm>
+        </p:grpSpPr>
+        <p:sp>
+          <p:nvSpPr>
+            <p:cNvPr id="19" name="文本框 18">
+              <a:extLst>
+                <a:ext uri="{FF2B5EF4-FFF2-40B4-BE49-F238E27FC236}">
+                  <a16:creationId xmlns:a16="http://schemas.microsoft.com/office/drawing/2014/main" id="{07A3DF35-C203-2F6C-F88E-7AE7CED4ED58}"/>
+                </a:ext>
+              </a:extLst>
+            </p:cNvPr>
+            <p:cNvSpPr txBox="1"/>
+            <p:nvPr/>
+          </p:nvSpPr>
+          <p:spPr>
+            <a:xfrm>
+              <a:off x="3593463" y="4157822"/>
+              <a:ext cx="971741" cy="369332"/>
+            </a:xfrm>
+            <a:prstGeom prst="rect">
+              <a:avLst/>
+            </a:prstGeom>
+            <a:noFill/>
+          </p:spPr>
+          <p:txBody>
+            <a:bodyPr wrap="none" rtlCol="0">
+              <a:spAutoFit/>
+            </a:bodyPr>
+            <a:lstStyle/>
+            <a:p>
+              <a:r>
+                <a:rPr lang="en-US" altLang="zh-CN" b="1" dirty="0"/>
+                <a:t>Reward</a:t>
+              </a:r>
+              <a:endParaRPr lang="zh-CN" altLang="en-US" b="1" dirty="0"/>
+            </a:p>
+          </p:txBody>
+        </p:sp>
+        <p:sp>
+          <p:nvSpPr>
+            <p:cNvPr id="20" name="矩形 19">
+              <a:extLst>
+                <a:ext uri="{FF2B5EF4-FFF2-40B4-BE49-F238E27FC236}">
+                  <a16:creationId xmlns:a16="http://schemas.microsoft.com/office/drawing/2014/main" id="{A48D1288-9862-5391-472A-D700BE53D971}"/>
+                </a:ext>
+              </a:extLst>
+            </p:cNvPr>
+            <p:cNvSpPr/>
+            <p:nvPr/>
+          </p:nvSpPr>
+          <p:spPr>
+            <a:xfrm>
+              <a:off x="2580782" y="4770140"/>
+              <a:ext cx="1734770" cy="971672"/>
+            </a:xfrm>
+            <a:prstGeom prst="rect">
+              <a:avLst/>
+            </a:prstGeom>
+          </p:spPr>
+          <p:style>
+            <a:lnRef idx="2">
+              <a:schemeClr val="accent1">
+                <a:shade val="50000"/>
+              </a:schemeClr>
+            </a:lnRef>
+            <a:fillRef idx="1">
+              <a:schemeClr val="accent1"/>
+            </a:fillRef>
+            <a:effectRef idx="0">
+              <a:schemeClr val="accent1"/>
+            </a:effectRef>
+            <a:fontRef idx="minor">
+              <a:schemeClr val="lt1"/>
+            </a:fontRef>
+          </p:style>
+          <p:txBody>
+            <a:bodyPr rtlCol="0" anchor="ctr"/>
+            <a:lstStyle/>
+            <a:p>
+              <a:pPr algn="ctr"/>
+              <a:r>
+                <a:rPr lang="en-US" altLang="zh-CN" dirty="0"/>
+                <a:t>Calculate Reward</a:t>
+              </a:r>
+              <a:endParaRPr lang="zh-CN" altLang="en-US" dirty="0"/>
+            </a:p>
+          </p:txBody>
+        </p:sp>
+        <p:cxnSp>
+          <p:nvCxnSpPr>
+            <p:cNvPr id="24" name="直接箭头连接符 23">
+              <a:extLst>
+                <a:ext uri="{FF2B5EF4-FFF2-40B4-BE49-F238E27FC236}">
+                  <a16:creationId xmlns:a16="http://schemas.microsoft.com/office/drawing/2014/main" id="{8340A45A-DC57-76DD-5050-3F2DFD291E3E}"/>
+                </a:ext>
+              </a:extLst>
+            </p:cNvPr>
+            <p:cNvCxnSpPr>
+              <a:cxnSpLocks/>
+            </p:cNvCxnSpPr>
+            <p:nvPr/>
+          </p:nvCxnSpPr>
+          <p:spPr>
+            <a:xfrm>
+              <a:off x="540772" y="4959402"/>
+              <a:ext cx="2040010" cy="0"/>
+            </a:xfrm>
+            <a:prstGeom prst="straightConnector1">
+              <a:avLst/>
+            </a:prstGeom>
+            <a:ln>
+              <a:tailEnd type="triangle"/>
+            </a:ln>
+          </p:spPr>
+          <p:style>
+            <a:lnRef idx="1">
+              <a:schemeClr val="accent1"/>
+            </a:lnRef>
+            <a:fillRef idx="0">
+              <a:schemeClr val="accent1"/>
+            </a:fillRef>
+            <a:effectRef idx="0">
+              <a:schemeClr val="accent1"/>
+            </a:effectRef>
+            <a:fontRef idx="minor">
+              <a:schemeClr val="tx1"/>
+            </a:fontRef>
+          </p:style>
+        </p:cxnSp>
+        <p:sp>
+          <p:nvSpPr>
+            <p:cNvPr id="26" name="文本框 25">
+              <a:extLst>
+                <a:ext uri="{FF2B5EF4-FFF2-40B4-BE49-F238E27FC236}">
+                  <a16:creationId xmlns:a16="http://schemas.microsoft.com/office/drawing/2014/main" id="{29432E56-84B0-740C-4413-EF2E947D894C}"/>
+                </a:ext>
+              </a:extLst>
+            </p:cNvPr>
+            <p:cNvSpPr txBox="1"/>
+            <p:nvPr/>
+          </p:nvSpPr>
+          <p:spPr>
+            <a:xfrm>
+              <a:off x="569383" y="4545598"/>
+              <a:ext cx="1586753" cy="369332"/>
+            </a:xfrm>
+            <a:prstGeom prst="rect">
+              <a:avLst/>
+            </a:prstGeom>
+            <a:noFill/>
+          </p:spPr>
+          <p:txBody>
+            <a:bodyPr wrap="square">
+              <a:spAutoFit/>
+            </a:bodyPr>
+            <a:lstStyle/>
+            <a:p>
+              <a:r>
+                <a:rPr lang="en-US" altLang="zh-CN" dirty="0" err="1"/>
+                <a:t>Get_state</a:t>
+              </a:r>
+              <a:r>
+                <a:rPr lang="en-US" altLang="zh-CN" dirty="0"/>
+                <a:t>()</a:t>
+              </a:r>
+              <a:endParaRPr lang="zh-CN" altLang="en-US" dirty="0"/>
+            </a:p>
+          </p:txBody>
+        </p:sp>
+        <p:sp>
+          <p:nvSpPr>
+            <p:cNvPr id="49" name="文本框 48">
+              <a:extLst>
+                <a:ext uri="{FF2B5EF4-FFF2-40B4-BE49-F238E27FC236}">
+                  <a16:creationId xmlns:a16="http://schemas.microsoft.com/office/drawing/2014/main" id="{E3BAF687-86F3-202A-4113-D70F3C772098}"/>
+                </a:ext>
+              </a:extLst>
+            </p:cNvPr>
+            <p:cNvSpPr txBox="1"/>
+            <p:nvPr/>
+          </p:nvSpPr>
+          <p:spPr>
+            <a:xfrm>
+              <a:off x="569383" y="5514086"/>
+              <a:ext cx="1734770" cy="369332"/>
+            </a:xfrm>
+            <a:prstGeom prst="rect">
+              <a:avLst/>
+            </a:prstGeom>
+            <a:noFill/>
+          </p:spPr>
+          <p:txBody>
+            <a:bodyPr wrap="square">
+              <a:spAutoFit/>
+            </a:bodyPr>
+            <a:lstStyle/>
+            <a:p>
+              <a:r>
+                <a:rPr lang="en-US" altLang="zh-CN" dirty="0" err="1"/>
+                <a:t>update_Stage</a:t>
+              </a:r>
+              <a:r>
+                <a:rPr lang="en-US" altLang="zh-CN" dirty="0"/>
+                <a:t>()</a:t>
+              </a:r>
+              <a:endParaRPr lang="zh-CN" altLang="en-US" dirty="0"/>
+            </a:p>
+          </p:txBody>
+        </p:sp>
+        <p:cxnSp>
+          <p:nvCxnSpPr>
+            <p:cNvPr id="50" name="直接箭头连接符 49">
+              <a:extLst>
+                <a:ext uri="{FF2B5EF4-FFF2-40B4-BE49-F238E27FC236}">
+                  <a16:creationId xmlns:a16="http://schemas.microsoft.com/office/drawing/2014/main" id="{0362F9F1-ECDA-229B-BA08-33C5ED565948}"/>
+                </a:ext>
+              </a:extLst>
+            </p:cNvPr>
+            <p:cNvCxnSpPr>
+              <a:cxnSpLocks/>
+            </p:cNvCxnSpPr>
+            <p:nvPr/>
+          </p:nvCxnSpPr>
+          <p:spPr>
+            <a:xfrm>
+              <a:off x="540772" y="5461426"/>
+              <a:ext cx="2040010" cy="0"/>
+            </a:xfrm>
+            <a:prstGeom prst="straightConnector1">
+              <a:avLst/>
+            </a:prstGeom>
+            <a:ln>
+              <a:tailEnd type="triangle"/>
+            </a:ln>
+          </p:spPr>
+          <p:style>
+            <a:lnRef idx="1">
+              <a:schemeClr val="accent1"/>
+            </a:lnRef>
+            <a:fillRef idx="0">
+              <a:schemeClr val="accent1"/>
+            </a:fillRef>
+            <a:effectRef idx="0">
+              <a:schemeClr val="accent1"/>
+            </a:effectRef>
+            <a:fontRef idx="minor">
+              <a:schemeClr val="tx1"/>
+            </a:fontRef>
+          </p:style>
+        </p:cxnSp>
+        <p:cxnSp>
+          <p:nvCxnSpPr>
+            <p:cNvPr id="51" name="直接箭头连接符 50">
+              <a:extLst>
+                <a:ext uri="{FF2B5EF4-FFF2-40B4-BE49-F238E27FC236}">
+                  <a16:creationId xmlns:a16="http://schemas.microsoft.com/office/drawing/2014/main" id="{86D1C888-6794-2C22-2CDF-570473F1D750}"/>
+                </a:ext>
+              </a:extLst>
+            </p:cNvPr>
+            <p:cNvCxnSpPr>
+              <a:cxnSpLocks/>
+            </p:cNvCxnSpPr>
+            <p:nvPr/>
+          </p:nvCxnSpPr>
+          <p:spPr>
+            <a:xfrm>
+              <a:off x="4315551" y="5253289"/>
+              <a:ext cx="810483" cy="2687"/>
+            </a:xfrm>
+            <a:prstGeom prst="straightConnector1">
+              <a:avLst/>
+            </a:prstGeom>
+            <a:ln>
+              <a:tailEnd type="triangle"/>
+            </a:ln>
+          </p:spPr>
+          <p:style>
+            <a:lnRef idx="1">
+              <a:schemeClr val="accent1"/>
+            </a:lnRef>
+            <a:fillRef idx="0">
+              <a:schemeClr val="accent1"/>
+            </a:fillRef>
+            <a:effectRef idx="0">
+              <a:schemeClr val="accent1"/>
+            </a:effectRef>
+            <a:fontRef idx="minor">
+              <a:schemeClr val="tx1"/>
+            </a:fontRef>
+          </p:style>
+        </p:cxnSp>
+        <p:sp>
+          <p:nvSpPr>
+            <p:cNvPr id="52" name="文本框 51">
+              <a:extLst>
+                <a:ext uri="{FF2B5EF4-FFF2-40B4-BE49-F238E27FC236}">
+                  <a16:creationId xmlns:a16="http://schemas.microsoft.com/office/drawing/2014/main" id="{2A831F46-CB6D-F224-0D42-F11231CCBBD4}"/>
+                </a:ext>
+              </a:extLst>
+            </p:cNvPr>
+            <p:cNvSpPr txBox="1"/>
+            <p:nvPr/>
+          </p:nvSpPr>
+          <p:spPr>
+            <a:xfrm>
+              <a:off x="4430283" y="5254666"/>
+              <a:ext cx="1734770" cy="369332"/>
+            </a:xfrm>
+            <a:prstGeom prst="rect">
+              <a:avLst/>
+            </a:prstGeom>
+            <a:noFill/>
+          </p:spPr>
+          <p:txBody>
+            <a:bodyPr wrap="square">
+              <a:spAutoFit/>
+            </a:bodyPr>
+            <a:lstStyle/>
+            <a:p>
+              <a:r>
+                <a:rPr lang="en-US" altLang="zh-CN" dirty="0" err="1"/>
+                <a:t>get_reward</a:t>
+              </a:r>
+              <a:r>
+                <a:rPr lang="en-US" altLang="zh-CN" dirty="0"/>
+                <a:t>()</a:t>
+              </a:r>
+              <a:endParaRPr lang="zh-CN" altLang="en-US" dirty="0"/>
+            </a:p>
+          </p:txBody>
+        </p:sp>
+        <p:sp>
+          <p:nvSpPr>
+            <p:cNvPr id="56" name="文本框 55">
+              <a:extLst>
+                <a:ext uri="{FF2B5EF4-FFF2-40B4-BE49-F238E27FC236}">
+                  <a16:creationId xmlns:a16="http://schemas.microsoft.com/office/drawing/2014/main" id="{3EC9DF59-3527-C130-7594-968D5C56C388}"/>
+                </a:ext>
+              </a:extLst>
+            </p:cNvPr>
+            <p:cNvSpPr txBox="1"/>
+            <p:nvPr/>
+          </p:nvSpPr>
+          <p:spPr>
+            <a:xfrm>
+              <a:off x="4465697" y="4840552"/>
+              <a:ext cx="1604089" cy="369332"/>
+            </a:xfrm>
+            <a:prstGeom prst="rect">
+              <a:avLst/>
+            </a:prstGeom>
+            <a:noFill/>
+          </p:spPr>
+          <p:txBody>
+            <a:bodyPr wrap="square">
+              <a:spAutoFit/>
+            </a:bodyPr>
+            <a:lstStyle/>
+            <a:p>
+              <a:r>
+                <a:rPr lang="en-US" altLang="zh-CN" dirty="0"/>
+                <a:t>Int reward</a:t>
+              </a:r>
+              <a:endParaRPr lang="zh-CN" altLang="en-US" dirty="0"/>
+            </a:p>
+          </p:txBody>
+        </p:sp>
+      </p:grpSp>
+      <p:pic>
+        <p:nvPicPr>
+          <p:cNvPr id="4" name="图片 3">
+            <a:extLst>
+              <a:ext uri="{FF2B5EF4-FFF2-40B4-BE49-F238E27FC236}">
+                <a16:creationId xmlns:a16="http://schemas.microsoft.com/office/drawing/2014/main" id="{43E11FAC-073D-3643-F1FC-46C73391E01C}"/>
+              </a:ext>
+            </a:extLst>
+          </p:cNvPr>
+          <p:cNvPicPr>
+            <a:picLocks noChangeAspect="1"/>
+          </p:cNvPicPr>
+          <p:nvPr/>
+        </p:nvPicPr>
+        <p:blipFill>
+          <a:blip r:embed="rId2"/>
+          <a:stretch>
+            <a:fillRect/>
+          </a:stretch>
+        </p:blipFill>
+        <p:spPr>
+          <a:xfrm>
+            <a:off x="6310782" y="1365905"/>
+            <a:ext cx="5739397" cy="4068706"/>
           </a:xfrm>
           <a:prstGeom prst="rect">
             <a:avLst/>
           </a:prstGeom>
-          <a:noFill/>
-        </p:spPr>
-        <p:txBody>
-          <a:bodyPr wrap="none" rtlCol="0">
-            <a:spAutoFit/>
-          </a:bodyPr>
-          <a:lstStyle/>
-          <a:p>
-            <a:r>
-              <a:rPr lang="en-US" altLang="zh-CN" b="1" dirty="0"/>
-              <a:t>Reward</a:t>
-            </a:r>
-            <a:endParaRPr lang="zh-CN" altLang="en-US" b="1" dirty="0"/>
-          </a:p>
-        </p:txBody>
-      </p:sp>
-      <p:sp>
-        <p:nvSpPr>
-          <p:cNvPr id="20" name="矩形 19">
-            <a:extLst>
-              <a:ext uri="{FF2B5EF4-FFF2-40B4-BE49-F238E27FC236}">
-                <a16:creationId xmlns:a16="http://schemas.microsoft.com/office/drawing/2014/main" id="{A48D1288-9862-5391-472A-D700BE53D971}"/>
-              </a:ext>
-            </a:extLst>
-          </p:cNvPr>
-          <p:cNvSpPr/>
-          <p:nvPr/>
-        </p:nvSpPr>
-        <p:spPr>
-          <a:xfrm>
-            <a:off x="4253654" y="4190971"/>
-            <a:ext cx="1734770" cy="971672"/>
-          </a:xfrm>
-          <a:prstGeom prst="rect">
-            <a:avLst/>
-          </a:prstGeom>
-        </p:spPr>
-        <p:style>
-          <a:lnRef idx="2">
-            <a:schemeClr val="accent1">
-              <a:shade val="50000"/>
-            </a:schemeClr>
-          </a:lnRef>
-          <a:fillRef idx="1">
-            <a:schemeClr val="accent1"/>
-          </a:fillRef>
-          <a:effectRef idx="0">
-            <a:schemeClr val="accent1"/>
-          </a:effectRef>
-          <a:fontRef idx="minor">
-            <a:schemeClr val="lt1"/>
-          </a:fontRef>
-        </p:style>
-        <p:txBody>
-          <a:bodyPr rtlCol="0" anchor="ctr"/>
-          <a:lstStyle/>
-          <a:p>
-            <a:pPr algn="ctr"/>
-            <a:r>
-              <a:rPr lang="en-US" altLang="zh-CN" dirty="0"/>
-              <a:t>Calculate Reward</a:t>
-            </a:r>
-            <a:endParaRPr lang="zh-CN" altLang="en-US" dirty="0"/>
-          </a:p>
-        </p:txBody>
-      </p:sp>
-      <p:cxnSp>
-        <p:nvCxnSpPr>
-          <p:cNvPr id="24" name="直接箭头连接符 23">
-            <a:extLst>
-              <a:ext uri="{FF2B5EF4-FFF2-40B4-BE49-F238E27FC236}">
-                <a16:creationId xmlns:a16="http://schemas.microsoft.com/office/drawing/2014/main" id="{8340A45A-DC57-76DD-5050-3F2DFD291E3E}"/>
-              </a:ext>
-            </a:extLst>
-          </p:cNvPr>
-          <p:cNvCxnSpPr>
-            <a:cxnSpLocks/>
-          </p:cNvCxnSpPr>
-          <p:nvPr/>
-        </p:nvCxnSpPr>
-        <p:spPr>
-          <a:xfrm>
-            <a:off x="2213644" y="4380233"/>
-            <a:ext cx="2040010" cy="0"/>
-          </a:xfrm>
-          <a:prstGeom prst="straightConnector1">
-            <a:avLst/>
-          </a:prstGeom>
-          <a:ln>
-            <a:tailEnd type="triangle"/>
-          </a:ln>
-        </p:spPr>
-        <p:style>
-          <a:lnRef idx="1">
-            <a:schemeClr val="accent1"/>
-          </a:lnRef>
-          <a:fillRef idx="0">
-            <a:schemeClr val="accent1"/>
-          </a:fillRef>
-          <a:effectRef idx="0">
-            <a:schemeClr val="accent1"/>
-          </a:effectRef>
-          <a:fontRef idx="minor">
-            <a:schemeClr val="tx1"/>
-          </a:fontRef>
-        </p:style>
-      </p:cxnSp>
-      <p:sp>
-        <p:nvSpPr>
-          <p:cNvPr id="26" name="文本框 25">
-            <a:extLst>
-              <a:ext uri="{FF2B5EF4-FFF2-40B4-BE49-F238E27FC236}">
-                <a16:creationId xmlns:a16="http://schemas.microsoft.com/office/drawing/2014/main" id="{29432E56-84B0-740C-4413-EF2E947D894C}"/>
-              </a:ext>
-            </a:extLst>
-          </p:cNvPr>
-          <p:cNvSpPr txBox="1"/>
-          <p:nvPr/>
-        </p:nvSpPr>
-        <p:spPr>
-          <a:xfrm>
-            <a:off x="2242255" y="3966429"/>
-            <a:ext cx="1586753" cy="369332"/>
-          </a:xfrm>
-          <a:prstGeom prst="rect">
-            <a:avLst/>
-          </a:prstGeom>
-          <a:noFill/>
-        </p:spPr>
-        <p:txBody>
-          <a:bodyPr wrap="square">
-            <a:spAutoFit/>
-          </a:bodyPr>
-          <a:lstStyle/>
-          <a:p>
-            <a:r>
-              <a:rPr lang="en-US" altLang="zh-CN" dirty="0" err="1"/>
-              <a:t>Get_state</a:t>
-            </a:r>
-            <a:r>
-              <a:rPr lang="en-US" altLang="zh-CN" dirty="0"/>
-              <a:t>()</a:t>
-            </a:r>
-            <a:endParaRPr lang="zh-CN" altLang="en-US" dirty="0"/>
-          </a:p>
-        </p:txBody>
-      </p:sp>
-      <p:sp>
-        <p:nvSpPr>
-          <p:cNvPr id="28" name="矩形 27">
-            <a:extLst>
-              <a:ext uri="{FF2B5EF4-FFF2-40B4-BE49-F238E27FC236}">
-                <a16:creationId xmlns:a16="http://schemas.microsoft.com/office/drawing/2014/main" id="{F53C8B22-2830-1085-AB82-CFD7DE6183BD}"/>
-              </a:ext>
-            </a:extLst>
-          </p:cNvPr>
-          <p:cNvSpPr/>
-          <p:nvPr/>
-        </p:nvSpPr>
-        <p:spPr>
-          <a:xfrm>
-            <a:off x="4253654" y="1878159"/>
-            <a:ext cx="1734770" cy="971672"/>
-          </a:xfrm>
-          <a:prstGeom prst="rect">
-            <a:avLst/>
-          </a:prstGeom>
-        </p:spPr>
-        <p:style>
-          <a:lnRef idx="2">
-            <a:schemeClr val="accent1">
-              <a:shade val="50000"/>
-            </a:schemeClr>
-          </a:lnRef>
-          <a:fillRef idx="1">
-            <a:schemeClr val="accent1"/>
-          </a:fillRef>
-          <a:effectRef idx="0">
-            <a:schemeClr val="accent1"/>
-          </a:effectRef>
-          <a:fontRef idx="minor">
-            <a:schemeClr val="lt1"/>
-          </a:fontRef>
-        </p:style>
-        <p:txBody>
-          <a:bodyPr rtlCol="0" anchor="ctr"/>
-          <a:lstStyle/>
-          <a:p>
-            <a:pPr algn="ctr"/>
-            <a:r>
-              <a:rPr lang="en-US" altLang="zh-CN" dirty="0"/>
-              <a:t>Stage update</a:t>
-            </a:r>
-            <a:endParaRPr lang="zh-CN" altLang="en-US" dirty="0"/>
-          </a:p>
-        </p:txBody>
-      </p:sp>
-      <p:cxnSp>
-        <p:nvCxnSpPr>
-          <p:cNvPr id="32" name="直接箭头连接符 31">
-            <a:extLst>
-              <a:ext uri="{FF2B5EF4-FFF2-40B4-BE49-F238E27FC236}">
-                <a16:creationId xmlns:a16="http://schemas.microsoft.com/office/drawing/2014/main" id="{7C698379-A78A-6F88-5578-498D14CAD62D}"/>
-              </a:ext>
-            </a:extLst>
-          </p:cNvPr>
-          <p:cNvCxnSpPr>
-            <a:cxnSpLocks/>
-          </p:cNvCxnSpPr>
-          <p:nvPr/>
-        </p:nvCxnSpPr>
-        <p:spPr>
-          <a:xfrm>
-            <a:off x="2213644" y="2112163"/>
-            <a:ext cx="2040010" cy="0"/>
-          </a:xfrm>
-          <a:prstGeom prst="straightConnector1">
-            <a:avLst/>
-          </a:prstGeom>
-          <a:ln>
-            <a:tailEnd type="triangle"/>
-          </a:ln>
-        </p:spPr>
-        <p:style>
-          <a:lnRef idx="1">
-            <a:schemeClr val="accent1"/>
-          </a:lnRef>
-          <a:fillRef idx="0">
-            <a:schemeClr val="accent1"/>
-          </a:fillRef>
-          <a:effectRef idx="0">
-            <a:schemeClr val="accent1"/>
-          </a:effectRef>
-          <a:fontRef idx="minor">
-            <a:schemeClr val="tx1"/>
-          </a:fontRef>
-        </p:style>
-      </p:cxnSp>
-      <p:sp>
-        <p:nvSpPr>
-          <p:cNvPr id="40" name="文本框 39">
-            <a:extLst>
-              <a:ext uri="{FF2B5EF4-FFF2-40B4-BE49-F238E27FC236}">
-                <a16:creationId xmlns:a16="http://schemas.microsoft.com/office/drawing/2014/main" id="{C1F272FD-C561-6B72-77E2-87D3A2EA5DEE}"/>
-              </a:ext>
-            </a:extLst>
-          </p:cNvPr>
-          <p:cNvSpPr txBox="1"/>
-          <p:nvPr/>
-        </p:nvSpPr>
-        <p:spPr>
-          <a:xfrm>
-            <a:off x="2213644" y="1746510"/>
-            <a:ext cx="1734770" cy="369332"/>
-          </a:xfrm>
-          <a:prstGeom prst="rect">
-            <a:avLst/>
-          </a:prstGeom>
-          <a:noFill/>
-        </p:spPr>
-        <p:txBody>
-          <a:bodyPr wrap="square">
-            <a:spAutoFit/>
-          </a:bodyPr>
-          <a:lstStyle/>
-          <a:p>
-            <a:r>
-              <a:rPr lang="en-US" altLang="zh-CN" dirty="0"/>
-              <a:t>Int </a:t>
-            </a:r>
-            <a:r>
-              <a:rPr lang="en-US" altLang="zh-CN" dirty="0" err="1"/>
-              <a:t>cur_stage</a:t>
-            </a:r>
-            <a:endParaRPr lang="zh-CN" altLang="en-US" dirty="0"/>
-          </a:p>
-        </p:txBody>
-      </p:sp>
-      <p:cxnSp>
-        <p:nvCxnSpPr>
-          <p:cNvPr id="41" name="直接箭头连接符 40">
-            <a:extLst>
-              <a:ext uri="{FF2B5EF4-FFF2-40B4-BE49-F238E27FC236}">
-                <a16:creationId xmlns:a16="http://schemas.microsoft.com/office/drawing/2014/main" id="{B01F097B-3E94-AF84-D28D-92E5A0A5648B}"/>
-              </a:ext>
-            </a:extLst>
-          </p:cNvPr>
-          <p:cNvCxnSpPr>
-            <a:cxnSpLocks/>
-          </p:cNvCxnSpPr>
-          <p:nvPr/>
-        </p:nvCxnSpPr>
-        <p:spPr>
-          <a:xfrm>
-            <a:off x="2213644" y="2632116"/>
-            <a:ext cx="2040010" cy="0"/>
-          </a:xfrm>
-          <a:prstGeom prst="straightConnector1">
-            <a:avLst/>
-          </a:prstGeom>
-          <a:ln>
-            <a:tailEnd type="triangle"/>
-          </a:ln>
-        </p:spPr>
-        <p:style>
-          <a:lnRef idx="1">
-            <a:schemeClr val="accent1"/>
-          </a:lnRef>
-          <a:fillRef idx="0">
-            <a:schemeClr val="accent1"/>
-          </a:fillRef>
-          <a:effectRef idx="0">
-            <a:schemeClr val="accent1"/>
-          </a:effectRef>
-          <a:fontRef idx="minor">
-            <a:schemeClr val="tx1"/>
-          </a:fontRef>
-        </p:style>
-      </p:cxnSp>
-      <p:sp>
-        <p:nvSpPr>
-          <p:cNvPr id="42" name="文本框 41">
-            <a:extLst>
-              <a:ext uri="{FF2B5EF4-FFF2-40B4-BE49-F238E27FC236}">
-                <a16:creationId xmlns:a16="http://schemas.microsoft.com/office/drawing/2014/main" id="{6C004326-75BB-D5BF-7EE5-21602AF59ECB}"/>
-              </a:ext>
-            </a:extLst>
-          </p:cNvPr>
-          <p:cNvSpPr txBox="1"/>
-          <p:nvPr/>
-        </p:nvSpPr>
-        <p:spPr>
-          <a:xfrm>
-            <a:off x="2213644" y="2628609"/>
-            <a:ext cx="1586753" cy="369332"/>
-          </a:xfrm>
-          <a:prstGeom prst="rect">
-            <a:avLst/>
-          </a:prstGeom>
-          <a:noFill/>
-        </p:spPr>
-        <p:txBody>
-          <a:bodyPr wrap="square">
-            <a:spAutoFit/>
-          </a:bodyPr>
-          <a:lstStyle/>
-          <a:p>
-            <a:r>
-              <a:rPr lang="en-US" altLang="zh-CN" dirty="0" err="1"/>
-              <a:t>Get_state</a:t>
-            </a:r>
-            <a:r>
-              <a:rPr lang="en-US" altLang="zh-CN" dirty="0"/>
-              <a:t>()</a:t>
-            </a:r>
-            <a:endParaRPr lang="zh-CN" altLang="en-US" dirty="0"/>
-          </a:p>
-        </p:txBody>
-      </p:sp>
-      <p:cxnSp>
-        <p:nvCxnSpPr>
-          <p:cNvPr id="44" name="直接箭头连接符 43">
-            <a:extLst>
-              <a:ext uri="{FF2B5EF4-FFF2-40B4-BE49-F238E27FC236}">
-                <a16:creationId xmlns:a16="http://schemas.microsoft.com/office/drawing/2014/main" id="{EBCFC3B6-D73B-9049-C95E-1BD40A5F5E0F}"/>
-              </a:ext>
-            </a:extLst>
-          </p:cNvPr>
-          <p:cNvCxnSpPr>
-            <a:stCxn id="28" idx="3"/>
-          </p:cNvCxnSpPr>
-          <p:nvPr/>
-        </p:nvCxnSpPr>
-        <p:spPr>
-          <a:xfrm>
-            <a:off x="5988424" y="2363995"/>
-            <a:ext cx="2788023" cy="2687"/>
-          </a:xfrm>
-          <a:prstGeom prst="straightConnector1">
-            <a:avLst/>
-          </a:prstGeom>
-          <a:ln>
-            <a:tailEnd type="triangle"/>
-          </a:ln>
-        </p:spPr>
-        <p:style>
-          <a:lnRef idx="1">
-            <a:schemeClr val="accent1"/>
-          </a:lnRef>
-          <a:fillRef idx="0">
-            <a:schemeClr val="accent1"/>
-          </a:fillRef>
-          <a:effectRef idx="0">
-            <a:schemeClr val="accent1"/>
-          </a:effectRef>
-          <a:fontRef idx="minor">
-            <a:schemeClr val="tx1"/>
-          </a:fontRef>
-        </p:style>
-      </p:cxnSp>
-      <p:sp>
-        <p:nvSpPr>
-          <p:cNvPr id="45" name="文本框 44">
-            <a:extLst>
-              <a:ext uri="{FF2B5EF4-FFF2-40B4-BE49-F238E27FC236}">
-                <a16:creationId xmlns:a16="http://schemas.microsoft.com/office/drawing/2014/main" id="{3B68AD26-8F59-3E66-23A7-6845022EB917}"/>
-              </a:ext>
-            </a:extLst>
-          </p:cNvPr>
-          <p:cNvSpPr txBox="1"/>
-          <p:nvPr/>
-        </p:nvSpPr>
-        <p:spPr>
-          <a:xfrm>
-            <a:off x="6885488" y="1942844"/>
-            <a:ext cx="1604089" cy="369332"/>
-          </a:xfrm>
-          <a:prstGeom prst="rect">
-            <a:avLst/>
-          </a:prstGeom>
-          <a:noFill/>
-        </p:spPr>
-        <p:txBody>
-          <a:bodyPr wrap="square">
-            <a:spAutoFit/>
-          </a:bodyPr>
-          <a:lstStyle/>
-          <a:p>
-            <a:r>
-              <a:rPr lang="en-US" altLang="zh-CN" dirty="0"/>
-              <a:t>Int </a:t>
-            </a:r>
-            <a:r>
-              <a:rPr lang="en-US" altLang="zh-CN" dirty="0" err="1"/>
-              <a:t>new_stage</a:t>
-            </a:r>
-            <a:endParaRPr lang="zh-CN" altLang="en-US" dirty="0"/>
-          </a:p>
-        </p:txBody>
-      </p:sp>
-      <p:sp>
-        <p:nvSpPr>
-          <p:cNvPr id="46" name="文本框 45">
-            <a:extLst>
-              <a:ext uri="{FF2B5EF4-FFF2-40B4-BE49-F238E27FC236}">
-                <a16:creationId xmlns:a16="http://schemas.microsoft.com/office/drawing/2014/main" id="{948DD500-5A68-8102-416A-F24A377F71A1}"/>
-              </a:ext>
-            </a:extLst>
-          </p:cNvPr>
-          <p:cNvSpPr txBox="1"/>
-          <p:nvPr/>
-        </p:nvSpPr>
-        <p:spPr>
-          <a:xfrm>
-            <a:off x="6885488" y="2410087"/>
-            <a:ext cx="1734770" cy="369332"/>
-          </a:xfrm>
-          <a:prstGeom prst="rect">
-            <a:avLst/>
-          </a:prstGeom>
-          <a:noFill/>
-        </p:spPr>
-        <p:txBody>
-          <a:bodyPr wrap="square">
-            <a:spAutoFit/>
-          </a:bodyPr>
-          <a:lstStyle/>
-          <a:p>
-            <a:r>
-              <a:rPr lang="en-US" altLang="zh-CN" dirty="0" err="1"/>
-              <a:t>update_Stage</a:t>
-            </a:r>
-            <a:r>
-              <a:rPr lang="en-US" altLang="zh-CN" dirty="0"/>
-              <a:t>()</a:t>
-            </a:r>
-            <a:endParaRPr lang="zh-CN" altLang="en-US" dirty="0"/>
-          </a:p>
-        </p:txBody>
-      </p:sp>
-      <p:sp>
-        <p:nvSpPr>
-          <p:cNvPr id="47" name="文本框 46">
-            <a:extLst>
-              <a:ext uri="{FF2B5EF4-FFF2-40B4-BE49-F238E27FC236}">
-                <a16:creationId xmlns:a16="http://schemas.microsoft.com/office/drawing/2014/main" id="{7CA9736F-B79E-177C-57AA-82EF4E98CC2E}"/>
-              </a:ext>
-            </a:extLst>
-          </p:cNvPr>
-          <p:cNvSpPr txBox="1"/>
-          <p:nvPr/>
-        </p:nvSpPr>
-        <p:spPr>
-          <a:xfrm>
-            <a:off x="5266335" y="1400191"/>
-            <a:ext cx="776175" cy="369332"/>
-          </a:xfrm>
-          <a:prstGeom prst="rect">
-            <a:avLst/>
-          </a:prstGeom>
-          <a:noFill/>
-        </p:spPr>
-        <p:txBody>
-          <a:bodyPr wrap="none" rtlCol="0">
-            <a:spAutoFit/>
-          </a:bodyPr>
-          <a:lstStyle/>
-          <a:p>
-            <a:r>
-              <a:rPr lang="en-US" altLang="zh-CN" b="1" dirty="0"/>
-              <a:t>Stage</a:t>
-            </a:r>
-            <a:endParaRPr lang="zh-CN" altLang="en-US" b="1" dirty="0"/>
-          </a:p>
-        </p:txBody>
-      </p:sp>
-      <p:sp>
-        <p:nvSpPr>
-          <p:cNvPr id="49" name="文本框 48">
-            <a:extLst>
-              <a:ext uri="{FF2B5EF4-FFF2-40B4-BE49-F238E27FC236}">
-                <a16:creationId xmlns:a16="http://schemas.microsoft.com/office/drawing/2014/main" id="{E3BAF687-86F3-202A-4113-D70F3C772098}"/>
-              </a:ext>
-            </a:extLst>
-          </p:cNvPr>
-          <p:cNvSpPr txBox="1"/>
-          <p:nvPr/>
-        </p:nvSpPr>
-        <p:spPr>
-          <a:xfrm>
-            <a:off x="2242255" y="4934917"/>
-            <a:ext cx="1734770" cy="369332"/>
-          </a:xfrm>
-          <a:prstGeom prst="rect">
-            <a:avLst/>
-          </a:prstGeom>
-          <a:noFill/>
-        </p:spPr>
-        <p:txBody>
-          <a:bodyPr wrap="square">
-            <a:spAutoFit/>
-          </a:bodyPr>
-          <a:lstStyle/>
-          <a:p>
-            <a:r>
-              <a:rPr lang="en-US" altLang="zh-CN" dirty="0" err="1"/>
-              <a:t>update_Stage</a:t>
-            </a:r>
-            <a:r>
-              <a:rPr lang="en-US" altLang="zh-CN" dirty="0"/>
-              <a:t>()</a:t>
-            </a:r>
-            <a:endParaRPr lang="zh-CN" altLang="en-US" dirty="0"/>
-          </a:p>
-        </p:txBody>
-      </p:sp>
-      <p:cxnSp>
-        <p:nvCxnSpPr>
-          <p:cNvPr id="50" name="直接箭头连接符 49">
-            <a:extLst>
-              <a:ext uri="{FF2B5EF4-FFF2-40B4-BE49-F238E27FC236}">
-                <a16:creationId xmlns:a16="http://schemas.microsoft.com/office/drawing/2014/main" id="{0362F9F1-ECDA-229B-BA08-33C5ED565948}"/>
-              </a:ext>
-            </a:extLst>
-          </p:cNvPr>
-          <p:cNvCxnSpPr>
-            <a:cxnSpLocks/>
-          </p:cNvCxnSpPr>
-          <p:nvPr/>
-        </p:nvCxnSpPr>
-        <p:spPr>
-          <a:xfrm>
-            <a:off x="2213644" y="4882257"/>
-            <a:ext cx="2040010" cy="0"/>
-          </a:xfrm>
-          <a:prstGeom prst="straightConnector1">
-            <a:avLst/>
-          </a:prstGeom>
-          <a:ln>
-            <a:tailEnd type="triangle"/>
-          </a:ln>
-        </p:spPr>
-        <p:style>
-          <a:lnRef idx="1">
-            <a:schemeClr val="accent1"/>
-          </a:lnRef>
-          <a:fillRef idx="0">
-            <a:schemeClr val="accent1"/>
-          </a:fillRef>
-          <a:effectRef idx="0">
-            <a:schemeClr val="accent1"/>
-          </a:effectRef>
-          <a:fontRef idx="minor">
-            <a:schemeClr val="tx1"/>
-          </a:fontRef>
-        </p:style>
-      </p:cxnSp>
-      <p:cxnSp>
-        <p:nvCxnSpPr>
-          <p:cNvPr id="51" name="直接箭头连接符 50">
-            <a:extLst>
-              <a:ext uri="{FF2B5EF4-FFF2-40B4-BE49-F238E27FC236}">
-                <a16:creationId xmlns:a16="http://schemas.microsoft.com/office/drawing/2014/main" id="{86D1C888-6794-2C22-2CDF-570473F1D750}"/>
-              </a:ext>
-            </a:extLst>
-          </p:cNvPr>
-          <p:cNvCxnSpPr/>
-          <p:nvPr/>
-        </p:nvCxnSpPr>
-        <p:spPr>
-          <a:xfrm>
-            <a:off x="5988423" y="4674120"/>
-            <a:ext cx="2788023" cy="2687"/>
-          </a:xfrm>
-          <a:prstGeom prst="straightConnector1">
-            <a:avLst/>
-          </a:prstGeom>
-          <a:ln>
-            <a:tailEnd type="triangle"/>
-          </a:ln>
-        </p:spPr>
-        <p:style>
-          <a:lnRef idx="1">
-            <a:schemeClr val="accent1"/>
-          </a:lnRef>
-          <a:fillRef idx="0">
-            <a:schemeClr val="accent1"/>
-          </a:fillRef>
-          <a:effectRef idx="0">
-            <a:schemeClr val="accent1"/>
-          </a:effectRef>
-          <a:fontRef idx="minor">
-            <a:schemeClr val="tx1"/>
-          </a:fontRef>
-        </p:style>
-      </p:cxnSp>
-      <p:sp>
-        <p:nvSpPr>
-          <p:cNvPr id="52" name="文本框 51">
-            <a:extLst>
-              <a:ext uri="{FF2B5EF4-FFF2-40B4-BE49-F238E27FC236}">
-                <a16:creationId xmlns:a16="http://schemas.microsoft.com/office/drawing/2014/main" id="{2A831F46-CB6D-F224-0D42-F11231CCBBD4}"/>
-              </a:ext>
-            </a:extLst>
-          </p:cNvPr>
-          <p:cNvSpPr txBox="1"/>
-          <p:nvPr/>
-        </p:nvSpPr>
-        <p:spPr>
-          <a:xfrm>
-            <a:off x="6885488" y="4659699"/>
-            <a:ext cx="1734770" cy="369332"/>
-          </a:xfrm>
-          <a:prstGeom prst="rect">
-            <a:avLst/>
-          </a:prstGeom>
-          <a:noFill/>
-        </p:spPr>
-        <p:txBody>
-          <a:bodyPr wrap="square">
-            <a:spAutoFit/>
-          </a:bodyPr>
-          <a:lstStyle/>
-          <a:p>
-            <a:r>
-              <a:rPr lang="en-US" altLang="zh-CN" dirty="0" err="1"/>
-              <a:t>get_reward</a:t>
-            </a:r>
-            <a:r>
-              <a:rPr lang="en-US" altLang="zh-CN" dirty="0"/>
-              <a:t>()</a:t>
-            </a:r>
-            <a:endParaRPr lang="zh-CN" altLang="en-US" dirty="0"/>
-          </a:p>
-        </p:txBody>
-      </p:sp>
-      <p:sp>
-        <p:nvSpPr>
-          <p:cNvPr id="56" name="文本框 55">
-            <a:extLst>
-              <a:ext uri="{FF2B5EF4-FFF2-40B4-BE49-F238E27FC236}">
-                <a16:creationId xmlns:a16="http://schemas.microsoft.com/office/drawing/2014/main" id="{3EC9DF59-3527-C130-7594-968D5C56C388}"/>
-              </a:ext>
-            </a:extLst>
-          </p:cNvPr>
-          <p:cNvSpPr txBox="1"/>
-          <p:nvPr/>
-        </p:nvSpPr>
-        <p:spPr>
-          <a:xfrm>
-            <a:off x="7034078" y="4297578"/>
-            <a:ext cx="1604089" cy="369332"/>
-          </a:xfrm>
-          <a:prstGeom prst="rect">
-            <a:avLst/>
-          </a:prstGeom>
-          <a:noFill/>
-        </p:spPr>
-        <p:txBody>
-          <a:bodyPr wrap="square">
-            <a:spAutoFit/>
-          </a:bodyPr>
-          <a:lstStyle/>
-          <a:p>
-            <a:r>
-              <a:rPr lang="en-US" altLang="zh-CN" dirty="0"/>
-              <a:t>Int reward</a:t>
-            </a:r>
-            <a:endParaRPr lang="zh-CN" altLang="en-US" dirty="0"/>
-          </a:p>
-        </p:txBody>
-      </p:sp>
+        </p:spPr>
+      </p:pic>
     </p:spTree>
     <p:extLst>
       <p:ext uri="{BB962C8B-B14F-4D97-AF65-F5344CB8AC3E}">
@@ -5803,41 +5883,6 @@
           </a:p>
         </p:txBody>
       </p:sp>
-      <p:pic>
-        <p:nvPicPr>
-          <p:cNvPr id="34" name="图片 33" descr="图片包含 室内, 桌子, 小, 打开&#10;&#10;描述已自动生成">
-            <a:extLst>
-              <a:ext uri="{FF2B5EF4-FFF2-40B4-BE49-F238E27FC236}">
-                <a16:creationId xmlns:a16="http://schemas.microsoft.com/office/drawing/2014/main" id="{12C75F7E-3B1B-D9BD-D565-E1DE327C343E}"/>
-              </a:ext>
-            </a:extLst>
-          </p:cNvPr>
-          <p:cNvPicPr>
-            <a:picLocks noChangeAspect="1"/>
-          </p:cNvPicPr>
-          <p:nvPr/>
-        </p:nvPicPr>
-        <p:blipFill rotWithShape="1">
-          <a:blip r:embed="rId2">
-            <a:extLst>
-              <a:ext uri="{28A0092B-C50C-407E-A947-70E740481C1C}">
-                <a14:useLocalDpi xmlns:a14="http://schemas.microsoft.com/office/drawing/2010/main" val="0"/>
-              </a:ext>
-            </a:extLst>
-          </a:blip>
-          <a:srcRect l="15041" r="17235"/>
-          <a:stretch/>
-        </p:blipFill>
-        <p:spPr>
-          <a:xfrm>
-            <a:off x="8380231" y="2907132"/>
-            <a:ext cx="1870433" cy="2068970"/>
-          </a:xfrm>
-          <a:prstGeom prst="rect">
-            <a:avLst/>
-          </a:prstGeom>
-        </p:spPr>
-      </p:pic>
       <p:cxnSp>
         <p:nvCxnSpPr>
           <p:cNvPr id="39" name="直接箭头连接符 38">
@@ -6012,8 +6057,8 @@
         </p:nvSpPr>
         <p:spPr>
           <a:xfrm>
-            <a:off x="1092544" y="2201349"/>
-            <a:ext cx="1015712" cy="923330"/>
+            <a:off x="1000009" y="1944652"/>
+            <a:ext cx="1015712" cy="1200329"/>
           </a:xfrm>
           <a:prstGeom prst="rect">
             <a:avLst/>
@@ -6036,6 +6081,13 @@
               <a:rPr lang="en-US" altLang="zh-CN" dirty="0"/>
               <a:t>Output</a:t>
             </a:r>
+          </a:p>
+          <a:p>
+            <a:r>
+              <a:rPr lang="en-US" altLang="zh-CN" dirty="0" err="1"/>
+              <a:t>Json</a:t>
+            </a:r>
+            <a:endParaRPr lang="en-US" altLang="zh-CN" dirty="0"/>
           </a:p>
         </p:txBody>
       </p:sp>
@@ -6241,7 +6293,7 @@
             </a:extLst>
           </p:cNvPr>
           <p:cNvCxnSpPr>
-            <a:stCxn id="34" idx="1"/>
+            <a:cxnSpLocks/>
             <a:endCxn id="24" idx="2"/>
           </p:cNvCxnSpPr>
           <p:nvPr/>
@@ -6485,6 +6537,42 @@
           </a:fontRef>
         </p:style>
       </p:cxnSp>
+      <p:pic>
+        <p:nvPicPr>
+          <p:cNvPr id="2" name="图片 1" descr="桌子上摆放着黑色的机器&#10;&#10;低可信度描述已自动生成">
+            <a:extLst>
+              <a:ext uri="{FF2B5EF4-FFF2-40B4-BE49-F238E27FC236}">
+                <a16:creationId xmlns:a16="http://schemas.microsoft.com/office/drawing/2014/main" id="{3CE002D8-5EDD-0130-9F4A-206C2471BCEA}"/>
+              </a:ext>
+            </a:extLst>
+          </p:cNvPr>
+          <p:cNvPicPr>
+            <a:picLocks noChangeAspect="1"/>
+          </p:cNvPicPr>
+          <p:nvPr/>
+        </p:nvPicPr>
+        <p:blipFill>
+          <a:blip r:embed="rId2">
+            <a:extLst>
+              <a:ext uri="{28A0092B-C50C-407E-A947-70E740481C1C}">
+                <a14:useLocalDpi xmlns:a14="http://schemas.microsoft.com/office/drawing/2010/main" val="0"/>
+              </a:ext>
+            </a:extLst>
+          </a:blip>
+          <a:stretch>
+            <a:fillRect/>
+          </a:stretch>
+        </p:blipFill>
+        <p:spPr>
+          <a:xfrm>
+            <a:off x="8386627" y="2903416"/>
+            <a:ext cx="2288830" cy="1825341"/>
+          </a:xfrm>
+          <a:prstGeom prst="rect">
+            <a:avLst/>
+          </a:prstGeom>
+        </p:spPr>
+      </p:pic>
     </p:spTree>
     <p:extLst>
       <p:ext uri="{BB962C8B-B14F-4D97-AF65-F5344CB8AC3E}">
@@ -6579,7 +6667,7 @@
         </p:nvSpPr>
         <p:spPr>
           <a:xfrm>
-            <a:off x="314598" y="2486278"/>
+            <a:off x="216111" y="2374801"/>
             <a:ext cx="1794625" cy="962890"/>
           </a:xfrm>
           <a:prstGeom prst="rect">
@@ -6782,41 +6870,6 @@
           </a:p>
         </p:txBody>
       </p:sp>
-      <p:pic>
-        <p:nvPicPr>
-          <p:cNvPr id="17" name="图片 16" descr="图片包含 室内, 桌子, 小, 打开&#10;&#10;描述已自动生成">
-            <a:extLst>
-              <a:ext uri="{FF2B5EF4-FFF2-40B4-BE49-F238E27FC236}">
-                <a16:creationId xmlns:a16="http://schemas.microsoft.com/office/drawing/2014/main" id="{ED66DDE4-5477-FDA1-BCA7-7CC7A810C996}"/>
-              </a:ext>
-            </a:extLst>
-          </p:cNvPr>
-          <p:cNvPicPr>
-            <a:picLocks noChangeAspect="1"/>
-          </p:cNvPicPr>
-          <p:nvPr/>
-        </p:nvPicPr>
-        <p:blipFill rotWithShape="1">
-          <a:blip r:embed="rId2">
-            <a:extLst>
-              <a:ext uri="{28A0092B-C50C-407E-A947-70E740481C1C}">
-                <a14:useLocalDpi xmlns:a14="http://schemas.microsoft.com/office/drawing/2010/main" val="0"/>
-              </a:ext>
-            </a:extLst>
-          </a:blip>
-          <a:srcRect l="15041" r="17235"/>
-          <a:stretch/>
-        </p:blipFill>
-        <p:spPr>
-          <a:xfrm>
-            <a:off x="9396910" y="2729875"/>
-            <a:ext cx="1870433" cy="2068970"/>
-          </a:xfrm>
-          <a:prstGeom prst="rect">
-            <a:avLst/>
-          </a:prstGeom>
-        </p:spPr>
-      </p:pic>
       <p:sp>
         <p:nvSpPr>
           <p:cNvPr id="19" name="文本框 18">
@@ -6893,12 +6946,250 @@
           </a:fontRef>
         </p:style>
       </p:cxnSp>
-      <p:sp>
-        <p:nvSpPr>
-          <p:cNvPr id="26" name="矩形: 圆角 25">
-            <a:extLst>
-              <a:ext uri="{FF2B5EF4-FFF2-40B4-BE49-F238E27FC236}">
-                <a16:creationId xmlns:a16="http://schemas.microsoft.com/office/drawing/2014/main" id="{C2442DF2-AF41-2697-D2C5-8D005DACFBE1}"/>
+      <p:cxnSp>
+        <p:nvCxnSpPr>
+          <p:cNvPr id="28" name="直接箭头连接符 27">
+            <a:extLst>
+              <a:ext uri="{FF2B5EF4-FFF2-40B4-BE49-F238E27FC236}">
+                <a16:creationId xmlns:a16="http://schemas.microsoft.com/office/drawing/2014/main" id="{48EEB5D1-AE5A-241D-2DB0-7ED57D6A18B1}"/>
+              </a:ext>
+            </a:extLst>
+          </p:cNvPr>
+          <p:cNvCxnSpPr>
+            <a:cxnSpLocks/>
+          </p:cNvCxnSpPr>
+          <p:nvPr/>
+        </p:nvCxnSpPr>
+        <p:spPr>
+          <a:xfrm>
+            <a:off x="10134904" y="2268068"/>
+            <a:ext cx="0" cy="461807"/>
+          </a:xfrm>
+          <a:prstGeom prst="straightConnector1">
+            <a:avLst/>
+          </a:prstGeom>
+          <a:ln>
+            <a:tailEnd type="triangle"/>
+          </a:ln>
+        </p:spPr>
+        <p:style>
+          <a:lnRef idx="1">
+            <a:schemeClr val="accent1"/>
+          </a:lnRef>
+          <a:fillRef idx="0">
+            <a:schemeClr val="accent1"/>
+          </a:fillRef>
+          <a:effectRef idx="0">
+            <a:schemeClr val="accent1"/>
+          </a:effectRef>
+          <a:fontRef idx="minor">
+            <a:schemeClr val="tx1"/>
+          </a:fontRef>
+        </p:style>
+      </p:cxnSp>
+      <p:cxnSp>
+        <p:nvCxnSpPr>
+          <p:cNvPr id="31" name="连接符: 肘形 30">
+            <a:extLst>
+              <a:ext uri="{FF2B5EF4-FFF2-40B4-BE49-F238E27FC236}">
+                <a16:creationId xmlns:a16="http://schemas.microsoft.com/office/drawing/2014/main" id="{87391F28-6471-5398-095D-8E5C675AB818}"/>
+              </a:ext>
+            </a:extLst>
+          </p:cNvPr>
+          <p:cNvCxnSpPr>
+            <a:cxnSpLocks/>
+            <a:stCxn id="57" idx="1"/>
+          </p:cNvCxnSpPr>
+          <p:nvPr/>
+        </p:nvCxnSpPr>
+        <p:spPr>
+          <a:xfrm rot="10800000">
+            <a:off x="3939421" y="4556892"/>
+            <a:ext cx="1271186" cy="800708"/>
+          </a:xfrm>
+          <a:prstGeom prst="bentConnector2">
+            <a:avLst/>
+          </a:prstGeom>
+          <a:ln>
+            <a:tailEnd type="triangle"/>
+          </a:ln>
+        </p:spPr>
+        <p:style>
+          <a:lnRef idx="1">
+            <a:schemeClr val="accent1"/>
+          </a:lnRef>
+          <a:fillRef idx="0">
+            <a:schemeClr val="accent1"/>
+          </a:fillRef>
+          <a:effectRef idx="0">
+            <a:schemeClr val="accent1"/>
+          </a:effectRef>
+          <a:fontRef idx="minor">
+            <a:schemeClr val="tx1"/>
+          </a:fontRef>
+        </p:style>
+      </p:cxnSp>
+      <p:sp>
+        <p:nvSpPr>
+          <p:cNvPr id="36" name="文本框 35">
+            <a:extLst>
+              <a:ext uri="{FF2B5EF4-FFF2-40B4-BE49-F238E27FC236}">
+                <a16:creationId xmlns:a16="http://schemas.microsoft.com/office/drawing/2014/main" id="{BB45BDC3-4DAA-2980-2C54-EE1F2452BA5D}"/>
+              </a:ext>
+            </a:extLst>
+          </p:cNvPr>
+          <p:cNvSpPr txBox="1"/>
+          <p:nvPr/>
+        </p:nvSpPr>
+        <p:spPr>
+          <a:xfrm>
+            <a:off x="3500654" y="5337820"/>
+            <a:ext cx="1705410" cy="646331"/>
+          </a:xfrm>
+          <a:prstGeom prst="rect">
+            <a:avLst/>
+          </a:prstGeom>
+          <a:noFill/>
+        </p:spPr>
+        <p:txBody>
+          <a:bodyPr wrap="square">
+            <a:spAutoFit/>
+          </a:bodyPr>
+          <a:lstStyle/>
+          <a:p>
+            <a:r>
+              <a:rPr lang="en-US" altLang="zh-CN" dirty="0"/>
+              <a:t>Online dataset update</a:t>
+            </a:r>
+          </a:p>
+        </p:txBody>
+      </p:sp>
+      <p:sp>
+        <p:nvSpPr>
+          <p:cNvPr id="42" name="文本框 41">
+            <a:extLst>
+              <a:ext uri="{FF2B5EF4-FFF2-40B4-BE49-F238E27FC236}">
+                <a16:creationId xmlns:a16="http://schemas.microsoft.com/office/drawing/2014/main" id="{EDFF4E8F-A469-D209-A8E5-B7E118BB4B59}"/>
+              </a:ext>
+            </a:extLst>
+          </p:cNvPr>
+          <p:cNvSpPr txBox="1"/>
+          <p:nvPr/>
+        </p:nvSpPr>
+        <p:spPr>
+          <a:xfrm>
+            <a:off x="4850288" y="3353052"/>
+            <a:ext cx="1649255" cy="646331"/>
+          </a:xfrm>
+          <a:prstGeom prst="rect">
+            <a:avLst/>
+          </a:prstGeom>
+          <a:noFill/>
+        </p:spPr>
+        <p:txBody>
+          <a:bodyPr wrap="square" rtlCol="0">
+            <a:spAutoFit/>
+          </a:bodyPr>
+          <a:lstStyle/>
+          <a:p>
+            <a:r>
+              <a:rPr lang="en-US" altLang="zh-CN" dirty="0"/>
+              <a:t>Sample from Online dataset</a:t>
+            </a:r>
+          </a:p>
+        </p:txBody>
+      </p:sp>
+      <p:cxnSp>
+        <p:nvCxnSpPr>
+          <p:cNvPr id="50" name="直接箭头连接符 49">
+            <a:extLst>
+              <a:ext uri="{FF2B5EF4-FFF2-40B4-BE49-F238E27FC236}">
+                <a16:creationId xmlns:a16="http://schemas.microsoft.com/office/drawing/2014/main" id="{81B4C25A-4A6B-C7B8-9031-4038419F7EF9}"/>
+              </a:ext>
+            </a:extLst>
+          </p:cNvPr>
+          <p:cNvCxnSpPr>
+            <a:cxnSpLocks/>
+            <a:stCxn id="5" idx="3"/>
+            <a:endCxn id="24" idx="1"/>
+          </p:cNvCxnSpPr>
+          <p:nvPr/>
+        </p:nvCxnSpPr>
+        <p:spPr>
+          <a:xfrm>
+            <a:off x="2010736" y="2856246"/>
+            <a:ext cx="1028104" cy="1"/>
+          </a:xfrm>
+          <a:prstGeom prst="straightConnector1">
+            <a:avLst/>
+          </a:prstGeom>
+          <a:ln>
+            <a:tailEnd type="triangle"/>
+          </a:ln>
+        </p:spPr>
+        <p:style>
+          <a:lnRef idx="1">
+            <a:schemeClr val="accent1"/>
+          </a:lnRef>
+          <a:fillRef idx="0">
+            <a:schemeClr val="accent1"/>
+          </a:fillRef>
+          <a:effectRef idx="0">
+            <a:schemeClr val="accent1"/>
+          </a:effectRef>
+          <a:fontRef idx="minor">
+            <a:schemeClr val="tx1"/>
+          </a:fontRef>
+        </p:style>
+      </p:cxnSp>
+      <p:sp>
+        <p:nvSpPr>
+          <p:cNvPr id="54" name="文本框 53">
+            <a:extLst>
+              <a:ext uri="{FF2B5EF4-FFF2-40B4-BE49-F238E27FC236}">
+                <a16:creationId xmlns:a16="http://schemas.microsoft.com/office/drawing/2014/main" id="{6C0440A5-7190-D594-AE88-37DDAC70610C}"/>
+              </a:ext>
+            </a:extLst>
+          </p:cNvPr>
+          <p:cNvSpPr txBox="1"/>
+          <p:nvPr/>
+        </p:nvSpPr>
+        <p:spPr>
+          <a:xfrm>
+            <a:off x="2077848" y="1944902"/>
+            <a:ext cx="1015712" cy="923330"/>
+          </a:xfrm>
+          <a:prstGeom prst="rect">
+            <a:avLst/>
+          </a:prstGeom>
+          <a:noFill/>
+        </p:spPr>
+        <p:txBody>
+          <a:bodyPr wrap="square" rtlCol="0">
+            <a:spAutoFit/>
+          </a:bodyPr>
+          <a:lstStyle/>
+          <a:p>
+            <a:r>
+              <a:rPr lang="en-US" altLang="zh-CN" dirty="0"/>
+              <a:t>Prior Dataset</a:t>
+            </a:r>
+          </a:p>
+          <a:p>
+            <a:r>
+              <a:rPr lang="en-US" altLang="zh-CN" dirty="0" err="1"/>
+              <a:t>Json</a:t>
+            </a:r>
+            <a:endParaRPr lang="en-US" altLang="zh-CN" dirty="0"/>
+          </a:p>
+        </p:txBody>
+      </p:sp>
+      <p:sp>
+        <p:nvSpPr>
+          <p:cNvPr id="56" name="矩形 55">
+            <a:extLst>
+              <a:ext uri="{FF2B5EF4-FFF2-40B4-BE49-F238E27FC236}">
+                <a16:creationId xmlns:a16="http://schemas.microsoft.com/office/drawing/2014/main" id="{6096BA69-6812-F073-B211-B3B7965D7342}"/>
               </a:ext>
             </a:extLst>
           </p:cNvPr>
@@ -6907,8 +7198,468 @@
         </p:nvSpPr>
         <p:spPr>
           <a:xfrm>
-            <a:off x="3124935" y="1378555"/>
-            <a:ext cx="1628972" cy="3178337"/>
+            <a:off x="9523368" y="5044786"/>
+            <a:ext cx="1617515" cy="633578"/>
+          </a:xfrm>
+          <a:prstGeom prst="rect">
+            <a:avLst/>
+          </a:prstGeom>
+        </p:spPr>
+        <p:style>
+          <a:lnRef idx="2">
+            <a:schemeClr val="accent1">
+              <a:shade val="50000"/>
+            </a:schemeClr>
+          </a:lnRef>
+          <a:fillRef idx="1">
+            <a:schemeClr val="accent1"/>
+          </a:fillRef>
+          <a:effectRef idx="0">
+            <a:schemeClr val="accent1"/>
+          </a:effectRef>
+          <a:fontRef idx="minor">
+            <a:schemeClr val="lt1"/>
+          </a:fontRef>
+        </p:style>
+        <p:txBody>
+          <a:bodyPr rtlCol="0" anchor="ctr"/>
+          <a:lstStyle/>
+          <a:p>
+            <a:pPr algn="ctr"/>
+            <a:r>
+              <a:rPr lang="en-US" altLang="zh-CN" dirty="0"/>
+              <a:t>State Update</a:t>
+            </a:r>
+            <a:endParaRPr lang="zh-CN" altLang="en-US" dirty="0"/>
+          </a:p>
+        </p:txBody>
+      </p:sp>
+      <p:sp>
+        <p:nvSpPr>
+          <p:cNvPr id="57" name="矩形 56">
+            <a:extLst>
+              <a:ext uri="{FF2B5EF4-FFF2-40B4-BE49-F238E27FC236}">
+                <a16:creationId xmlns:a16="http://schemas.microsoft.com/office/drawing/2014/main" id="{A2699B5D-A320-628C-4137-6F2AEAEC1DB3}"/>
+              </a:ext>
+            </a:extLst>
+          </p:cNvPr>
+          <p:cNvSpPr/>
+          <p:nvPr/>
+        </p:nvSpPr>
+        <p:spPr>
+          <a:xfrm>
+            <a:off x="5210607" y="5040811"/>
+            <a:ext cx="1617515" cy="633578"/>
+          </a:xfrm>
+          <a:prstGeom prst="rect">
+            <a:avLst/>
+          </a:prstGeom>
+        </p:spPr>
+        <p:style>
+          <a:lnRef idx="2">
+            <a:schemeClr val="accent1">
+              <a:shade val="50000"/>
+            </a:schemeClr>
+          </a:lnRef>
+          <a:fillRef idx="1">
+            <a:schemeClr val="accent1"/>
+          </a:fillRef>
+          <a:effectRef idx="0">
+            <a:schemeClr val="accent1"/>
+          </a:effectRef>
+          <a:fontRef idx="minor">
+            <a:schemeClr val="lt1"/>
+          </a:fontRef>
+        </p:style>
+        <p:txBody>
+          <a:bodyPr rtlCol="0" anchor="ctr"/>
+          <a:lstStyle/>
+          <a:p>
+            <a:pPr algn="ctr"/>
+            <a:r>
+              <a:rPr lang="en-US" altLang="zh-CN" dirty="0"/>
+              <a:t>Reward Update</a:t>
+            </a:r>
+            <a:endParaRPr lang="zh-CN" altLang="en-US" dirty="0"/>
+          </a:p>
+        </p:txBody>
+      </p:sp>
+      <p:sp>
+        <p:nvSpPr>
+          <p:cNvPr id="70" name="文本框 69">
+            <a:extLst>
+              <a:ext uri="{FF2B5EF4-FFF2-40B4-BE49-F238E27FC236}">
+                <a16:creationId xmlns:a16="http://schemas.microsoft.com/office/drawing/2014/main" id="{76922F29-3EFE-24BB-BDD6-E0CC9DFEEA06}"/>
+              </a:ext>
+            </a:extLst>
+          </p:cNvPr>
+          <p:cNvSpPr txBox="1"/>
+          <p:nvPr/>
+        </p:nvSpPr>
+        <p:spPr>
+          <a:xfrm>
+            <a:off x="4845854" y="245795"/>
+            <a:ext cx="1800493" cy="369332"/>
+          </a:xfrm>
+          <a:prstGeom prst="rect">
+            <a:avLst/>
+          </a:prstGeom>
+          <a:noFill/>
+        </p:spPr>
+        <p:txBody>
+          <a:bodyPr wrap="none" rtlCol="0">
+            <a:spAutoFit/>
+          </a:bodyPr>
+          <a:lstStyle/>
+          <a:p>
+            <a:r>
+              <a:rPr lang="en-US" altLang="zh-CN" b="1" dirty="0"/>
+              <a:t>Online Training</a:t>
+            </a:r>
+            <a:endParaRPr lang="zh-CN" altLang="en-US" b="1" dirty="0"/>
+          </a:p>
+        </p:txBody>
+      </p:sp>
+      <p:cxnSp>
+        <p:nvCxnSpPr>
+          <p:cNvPr id="7" name="连接符: 肘形 6">
+            <a:extLst>
+              <a:ext uri="{FF2B5EF4-FFF2-40B4-BE49-F238E27FC236}">
+                <a16:creationId xmlns:a16="http://schemas.microsoft.com/office/drawing/2014/main" id="{64383AAD-07DC-DE13-893F-C571B61E58A6}"/>
+              </a:ext>
+            </a:extLst>
+          </p:cNvPr>
+          <p:cNvCxnSpPr>
+            <a:cxnSpLocks/>
+            <a:stCxn id="15" idx="3"/>
+            <a:endCxn id="56" idx="3"/>
+          </p:cNvCxnSpPr>
+          <p:nvPr/>
+        </p:nvCxnSpPr>
+        <p:spPr>
+          <a:xfrm flipH="1">
+            <a:off x="11140883" y="1893996"/>
+            <a:ext cx="96985" cy="3467579"/>
+          </a:xfrm>
+          <a:prstGeom prst="bentConnector3">
+            <a:avLst>
+              <a:gd name="adj1" fmla="val -429817"/>
+            </a:avLst>
+          </a:prstGeom>
+          <a:ln>
+            <a:tailEnd type="triangle"/>
+          </a:ln>
+        </p:spPr>
+        <p:style>
+          <a:lnRef idx="1">
+            <a:schemeClr val="accent1"/>
+          </a:lnRef>
+          <a:fillRef idx="0">
+            <a:schemeClr val="accent1"/>
+          </a:fillRef>
+          <a:effectRef idx="0">
+            <a:schemeClr val="accent1"/>
+          </a:effectRef>
+          <a:fontRef idx="minor">
+            <a:schemeClr val="tx1"/>
+          </a:fontRef>
+        </p:style>
+      </p:cxnSp>
+      <p:cxnSp>
+        <p:nvCxnSpPr>
+          <p:cNvPr id="14" name="直接箭头连接符 13">
+            <a:extLst>
+              <a:ext uri="{FF2B5EF4-FFF2-40B4-BE49-F238E27FC236}">
+                <a16:creationId xmlns:a16="http://schemas.microsoft.com/office/drawing/2014/main" id="{2B26C8D7-A70B-BFF2-B057-0943F675151D}"/>
+              </a:ext>
+            </a:extLst>
+          </p:cNvPr>
+          <p:cNvCxnSpPr>
+            <a:cxnSpLocks/>
+          </p:cNvCxnSpPr>
+          <p:nvPr/>
+        </p:nvCxnSpPr>
+        <p:spPr>
+          <a:xfrm flipV="1">
+            <a:off x="10538315" y="2255375"/>
+            <a:ext cx="0" cy="461806"/>
+          </a:xfrm>
+          <a:prstGeom prst="straightConnector1">
+            <a:avLst/>
+          </a:prstGeom>
+          <a:ln>
+            <a:tailEnd type="triangle"/>
+          </a:ln>
+        </p:spPr>
+        <p:style>
+          <a:lnRef idx="1">
+            <a:schemeClr val="accent1"/>
+          </a:lnRef>
+          <a:fillRef idx="0">
+            <a:schemeClr val="accent1"/>
+          </a:fillRef>
+          <a:effectRef idx="0">
+            <a:schemeClr val="accent1"/>
+          </a:effectRef>
+          <a:fontRef idx="minor">
+            <a:schemeClr val="tx1"/>
+          </a:fontRef>
+        </p:style>
+      </p:cxnSp>
+      <p:cxnSp>
+        <p:nvCxnSpPr>
+          <p:cNvPr id="20" name="直接箭头连接符 19">
+            <a:extLst>
+              <a:ext uri="{FF2B5EF4-FFF2-40B4-BE49-F238E27FC236}">
+                <a16:creationId xmlns:a16="http://schemas.microsoft.com/office/drawing/2014/main" id="{F385810D-1856-2357-4BC0-E7F551EA19B8}"/>
+              </a:ext>
+            </a:extLst>
+          </p:cNvPr>
+          <p:cNvCxnSpPr>
+            <a:cxnSpLocks/>
+            <a:endCxn id="22" idx="3"/>
+          </p:cNvCxnSpPr>
+          <p:nvPr/>
+        </p:nvCxnSpPr>
+        <p:spPr>
+          <a:xfrm flipH="1">
+            <a:off x="8742189" y="5334756"/>
+            <a:ext cx="804856" cy="5391"/>
+          </a:xfrm>
+          <a:prstGeom prst="straightConnector1">
+            <a:avLst/>
+          </a:prstGeom>
+          <a:ln>
+            <a:tailEnd type="triangle"/>
+          </a:ln>
+        </p:spPr>
+        <p:style>
+          <a:lnRef idx="1">
+            <a:schemeClr val="accent1"/>
+          </a:lnRef>
+          <a:fillRef idx="0">
+            <a:schemeClr val="accent1"/>
+          </a:fillRef>
+          <a:effectRef idx="0">
+            <a:schemeClr val="accent1"/>
+          </a:effectRef>
+          <a:fontRef idx="minor">
+            <a:schemeClr val="tx1"/>
+          </a:fontRef>
+        </p:style>
+      </p:cxnSp>
+      <p:sp>
+        <p:nvSpPr>
+          <p:cNvPr id="22" name="矩形 21">
+            <a:extLst>
+              <a:ext uri="{FF2B5EF4-FFF2-40B4-BE49-F238E27FC236}">
+                <a16:creationId xmlns:a16="http://schemas.microsoft.com/office/drawing/2014/main" id="{EDFC4B78-0742-984F-2C39-1DF977B66DA5}"/>
+              </a:ext>
+            </a:extLst>
+          </p:cNvPr>
+          <p:cNvSpPr/>
+          <p:nvPr/>
+        </p:nvSpPr>
+        <p:spPr>
+          <a:xfrm>
+            <a:off x="7633825" y="4994851"/>
+            <a:ext cx="1108364" cy="690591"/>
+          </a:xfrm>
+          <a:prstGeom prst="rect">
+            <a:avLst/>
+          </a:prstGeom>
+        </p:spPr>
+        <p:style>
+          <a:lnRef idx="2">
+            <a:schemeClr val="accent1">
+              <a:shade val="50000"/>
+            </a:schemeClr>
+          </a:lnRef>
+          <a:fillRef idx="1">
+            <a:schemeClr val="accent1"/>
+          </a:fillRef>
+          <a:effectRef idx="0">
+            <a:schemeClr val="accent1"/>
+          </a:effectRef>
+          <a:fontRef idx="minor">
+            <a:schemeClr val="lt1"/>
+          </a:fontRef>
+        </p:style>
+        <p:txBody>
+          <a:bodyPr rtlCol="0" anchor="ctr"/>
+          <a:lstStyle/>
+          <a:p>
+            <a:pPr algn="ctr"/>
+            <a:r>
+              <a:rPr lang="en-US" altLang="zh-CN" dirty="0"/>
+              <a:t>Stage update</a:t>
+            </a:r>
+            <a:endParaRPr lang="zh-CN" altLang="en-US" dirty="0"/>
+          </a:p>
+        </p:txBody>
+      </p:sp>
+      <p:cxnSp>
+        <p:nvCxnSpPr>
+          <p:cNvPr id="23" name="直接箭头连接符 22">
+            <a:extLst>
+              <a:ext uri="{FF2B5EF4-FFF2-40B4-BE49-F238E27FC236}">
+                <a16:creationId xmlns:a16="http://schemas.microsoft.com/office/drawing/2014/main" id="{5DE3BE08-E749-F390-8534-A519023C93CF}"/>
+              </a:ext>
+            </a:extLst>
+          </p:cNvPr>
+          <p:cNvCxnSpPr>
+            <a:cxnSpLocks/>
+            <a:stCxn id="22" idx="1"/>
+          </p:cNvCxnSpPr>
+          <p:nvPr/>
+        </p:nvCxnSpPr>
+        <p:spPr>
+          <a:xfrm flipH="1" flipV="1">
+            <a:off x="6828969" y="5334756"/>
+            <a:ext cx="804856" cy="5391"/>
+          </a:xfrm>
+          <a:prstGeom prst="straightConnector1">
+            <a:avLst/>
+          </a:prstGeom>
+          <a:ln>
+            <a:tailEnd type="triangle"/>
+          </a:ln>
+        </p:spPr>
+        <p:style>
+          <a:lnRef idx="1">
+            <a:schemeClr val="accent1"/>
+          </a:lnRef>
+          <a:fillRef idx="0">
+            <a:schemeClr val="accent1"/>
+          </a:fillRef>
+          <a:effectRef idx="0">
+            <a:schemeClr val="accent1"/>
+          </a:effectRef>
+          <a:fontRef idx="minor">
+            <a:schemeClr val="tx1"/>
+          </a:fontRef>
+        </p:style>
+      </p:cxnSp>
+      <p:sp>
+        <p:nvSpPr>
+          <p:cNvPr id="24" name="矩形 23">
+            <a:extLst>
+              <a:ext uri="{FF2B5EF4-FFF2-40B4-BE49-F238E27FC236}">
+                <a16:creationId xmlns:a16="http://schemas.microsoft.com/office/drawing/2014/main" id="{9C8A3DCA-6621-0F6C-BB12-9F68C6371C0E}"/>
+              </a:ext>
+            </a:extLst>
+          </p:cNvPr>
+          <p:cNvSpPr/>
+          <p:nvPr/>
+        </p:nvSpPr>
+        <p:spPr>
+          <a:xfrm>
+            <a:off x="3038840" y="1155601"/>
+            <a:ext cx="1780309" cy="3401291"/>
+          </a:xfrm>
+          <a:prstGeom prst="rect">
+            <a:avLst/>
+          </a:prstGeom>
+        </p:spPr>
+        <p:style>
+          <a:lnRef idx="2">
+            <a:schemeClr val="accent1">
+              <a:shade val="50000"/>
+            </a:schemeClr>
+          </a:lnRef>
+          <a:fillRef idx="1">
+            <a:schemeClr val="accent1"/>
+          </a:fillRef>
+          <a:effectRef idx="0">
+            <a:schemeClr val="accent1"/>
+          </a:effectRef>
+          <a:fontRef idx="minor">
+            <a:schemeClr val="lt1"/>
+          </a:fontRef>
+        </p:style>
+        <p:txBody>
+          <a:bodyPr rtlCol="0" anchor="ctr"/>
+          <a:lstStyle/>
+          <a:p>
+            <a:pPr algn="ctr"/>
+            <a:endParaRPr lang="en-US" altLang="zh-CN" dirty="0"/>
+          </a:p>
+          <a:p>
+            <a:pPr algn="ctr"/>
+            <a:r>
+              <a:rPr lang="en-US" altLang="zh-CN" sz="1400" dirty="0"/>
+              <a:t>Combine &amp; Convert</a:t>
+            </a:r>
+          </a:p>
+          <a:p>
+            <a:pPr algn="ctr"/>
+            <a:r>
+              <a:rPr lang="en-US" altLang="zh-CN" dirty="0"/>
+              <a:t> Datasets</a:t>
+            </a:r>
+          </a:p>
+          <a:p>
+            <a:pPr algn="ctr"/>
+            <a:endParaRPr lang="en-US" altLang="zh-CN" dirty="0"/>
+          </a:p>
+          <a:p>
+            <a:pPr algn="ctr"/>
+            <a:endParaRPr lang="en-US" altLang="zh-CN" dirty="0"/>
+          </a:p>
+          <a:p>
+            <a:pPr algn="ctr"/>
+            <a:endParaRPr lang="en-US" altLang="zh-CN" dirty="0"/>
+          </a:p>
+          <a:p>
+            <a:pPr algn="ctr"/>
+            <a:endParaRPr lang="en-US" altLang="zh-CN" dirty="0"/>
+          </a:p>
+          <a:p>
+            <a:pPr algn="ctr"/>
+            <a:endParaRPr lang="en-US" altLang="zh-CN" dirty="0"/>
+          </a:p>
+          <a:p>
+            <a:pPr algn="ctr"/>
+            <a:endParaRPr lang="en-US" altLang="zh-CN" dirty="0"/>
+          </a:p>
+          <a:p>
+            <a:pPr algn="ctr"/>
+            <a:endParaRPr lang="en-US" altLang="zh-CN" dirty="0"/>
+          </a:p>
+          <a:p>
+            <a:pPr algn="ctr"/>
+            <a:endParaRPr lang="en-US" altLang="zh-CN" dirty="0"/>
+          </a:p>
+          <a:p>
+            <a:pPr algn="ctr"/>
+            <a:endParaRPr lang="en-US" altLang="zh-CN" dirty="0"/>
+          </a:p>
+          <a:p>
+            <a:pPr algn="ctr"/>
+            <a:endParaRPr lang="en-US" altLang="zh-CN" dirty="0"/>
+          </a:p>
+          <a:p>
+            <a:pPr algn="ctr"/>
+            <a:endParaRPr lang="zh-CN" altLang="en-US" dirty="0"/>
+          </a:p>
+        </p:txBody>
+      </p:sp>
+      <p:sp>
+        <p:nvSpPr>
+          <p:cNvPr id="25" name="矩形: 圆角 24">
+            <a:extLst>
+              <a:ext uri="{FF2B5EF4-FFF2-40B4-BE49-F238E27FC236}">
+                <a16:creationId xmlns:a16="http://schemas.microsoft.com/office/drawing/2014/main" id="{9DF20271-5D80-0168-0F65-96C796D6B41D}"/>
+              </a:ext>
+            </a:extLst>
+          </p:cNvPr>
+          <p:cNvSpPr/>
+          <p:nvPr/>
+        </p:nvSpPr>
+        <p:spPr>
+          <a:xfrm>
+            <a:off x="3135791" y="1882670"/>
+            <a:ext cx="1606659" cy="2492105"/>
           </a:xfrm>
           <a:prstGeom prst="roundRect">
             <a:avLst/>
@@ -6943,503 +7694,42 @@
           </a:p>
         </p:txBody>
       </p:sp>
-      <p:cxnSp>
-        <p:nvCxnSpPr>
-          <p:cNvPr id="28" name="直接箭头连接符 27">
-            <a:extLst>
-              <a:ext uri="{FF2B5EF4-FFF2-40B4-BE49-F238E27FC236}">
-                <a16:creationId xmlns:a16="http://schemas.microsoft.com/office/drawing/2014/main" id="{48EEB5D1-AE5A-241D-2DB0-7ED57D6A18B1}"/>
-              </a:ext>
-            </a:extLst>
-          </p:cNvPr>
-          <p:cNvCxnSpPr>
-            <a:cxnSpLocks/>
-          </p:cNvCxnSpPr>
+      <p:pic>
+        <p:nvPicPr>
+          <p:cNvPr id="30" name="图片 29" descr="桌子上摆放着黑色的机器&#10;&#10;低可信度描述已自动生成">
+            <a:extLst>
+              <a:ext uri="{FF2B5EF4-FFF2-40B4-BE49-F238E27FC236}">
+                <a16:creationId xmlns:a16="http://schemas.microsoft.com/office/drawing/2014/main" id="{73E8EBC4-830C-9847-2BE4-74F248231E72}"/>
+              </a:ext>
+            </a:extLst>
+          </p:cNvPr>
+          <p:cNvPicPr>
+            <a:picLocks noChangeAspect="1"/>
+          </p:cNvPicPr>
           <p:nvPr/>
-        </p:nvCxnSpPr>
-        <p:spPr>
-          <a:xfrm>
-            <a:off x="10134904" y="2268068"/>
-            <a:ext cx="0" cy="461807"/>
-          </a:xfrm>
-          <a:prstGeom prst="straightConnector1">
-            <a:avLst/>
-          </a:prstGeom>
-          <a:ln>
-            <a:tailEnd type="triangle"/>
-          </a:ln>
-        </p:spPr>
-        <p:style>
-          <a:lnRef idx="1">
-            <a:schemeClr val="accent1"/>
-          </a:lnRef>
-          <a:fillRef idx="0">
-            <a:schemeClr val="accent1"/>
-          </a:fillRef>
-          <a:effectRef idx="0">
-            <a:schemeClr val="accent1"/>
-          </a:effectRef>
-          <a:fontRef idx="minor">
-            <a:schemeClr val="tx1"/>
-          </a:fontRef>
-        </p:style>
-      </p:cxnSp>
-      <p:cxnSp>
-        <p:nvCxnSpPr>
-          <p:cNvPr id="31" name="连接符: 肘形 30">
-            <a:extLst>
-              <a:ext uri="{FF2B5EF4-FFF2-40B4-BE49-F238E27FC236}">
-                <a16:creationId xmlns:a16="http://schemas.microsoft.com/office/drawing/2014/main" id="{87391F28-6471-5398-095D-8E5C675AB818}"/>
-              </a:ext>
-            </a:extLst>
-          </p:cNvPr>
-          <p:cNvCxnSpPr>
-            <a:cxnSpLocks/>
-            <a:stCxn id="57" idx="1"/>
-            <a:endCxn id="26" idx="2"/>
-          </p:cNvCxnSpPr>
-          <p:nvPr/>
-        </p:nvCxnSpPr>
-        <p:spPr>
-          <a:xfrm rot="10800000">
-            <a:off x="3939422" y="4556893"/>
-            <a:ext cx="2662369" cy="804587"/>
-          </a:xfrm>
-          <a:prstGeom prst="bentConnector2">
-            <a:avLst/>
-          </a:prstGeom>
-          <a:ln>
-            <a:tailEnd type="triangle"/>
-          </a:ln>
-        </p:spPr>
-        <p:style>
-          <a:lnRef idx="1">
-            <a:schemeClr val="accent1"/>
-          </a:lnRef>
-          <a:fillRef idx="0">
-            <a:schemeClr val="accent1"/>
-          </a:fillRef>
-          <a:effectRef idx="0">
-            <a:schemeClr val="accent1"/>
-          </a:effectRef>
-          <a:fontRef idx="minor">
-            <a:schemeClr val="tx1"/>
-          </a:fontRef>
-        </p:style>
-      </p:cxnSp>
-      <p:sp>
-        <p:nvSpPr>
-          <p:cNvPr id="36" name="文本框 35">
-            <a:extLst>
-              <a:ext uri="{FF2B5EF4-FFF2-40B4-BE49-F238E27FC236}">
-                <a16:creationId xmlns:a16="http://schemas.microsoft.com/office/drawing/2014/main" id="{BB45BDC3-4DAA-2980-2C54-EE1F2452BA5D}"/>
-              </a:ext>
-            </a:extLst>
-          </p:cNvPr>
-          <p:cNvSpPr txBox="1"/>
-          <p:nvPr/>
-        </p:nvSpPr>
-        <p:spPr>
-          <a:xfrm>
-            <a:off x="3939421" y="5371889"/>
-            <a:ext cx="2957859" cy="369332"/>
+        </p:nvPicPr>
+        <p:blipFill>
+          <a:blip r:embed="rId2">
+            <a:extLst>
+              <a:ext uri="{28A0092B-C50C-407E-A947-70E740481C1C}">
+                <a14:useLocalDpi xmlns:a14="http://schemas.microsoft.com/office/drawing/2010/main" val="0"/>
+              </a:ext>
+            </a:extLst>
+          </a:blip>
+          <a:stretch>
+            <a:fillRect/>
+          </a:stretch>
+        </p:blipFill>
+        <p:spPr>
+          <a:xfrm>
+            <a:off x="9144617" y="2743756"/>
+            <a:ext cx="2288830" cy="1825341"/>
           </a:xfrm>
           <a:prstGeom prst="rect">
             <a:avLst/>
           </a:prstGeom>
-          <a:noFill/>
-        </p:spPr>
-        <p:txBody>
-          <a:bodyPr wrap="square">
-            <a:spAutoFit/>
-          </a:bodyPr>
-          <a:lstStyle/>
-          <a:p>
-            <a:r>
-              <a:rPr lang="en-US" altLang="zh-CN" dirty="0"/>
-              <a:t>Online dataset update</a:t>
-            </a:r>
-          </a:p>
-        </p:txBody>
-      </p:sp>
-      <p:sp>
-        <p:nvSpPr>
-          <p:cNvPr id="42" name="文本框 41">
-            <a:extLst>
-              <a:ext uri="{FF2B5EF4-FFF2-40B4-BE49-F238E27FC236}">
-                <a16:creationId xmlns:a16="http://schemas.microsoft.com/office/drawing/2014/main" id="{EDFF4E8F-A469-D209-A8E5-B7E118BB4B59}"/>
-              </a:ext>
-            </a:extLst>
-          </p:cNvPr>
-          <p:cNvSpPr txBox="1"/>
-          <p:nvPr/>
-        </p:nvSpPr>
-        <p:spPr>
-          <a:xfrm>
-            <a:off x="4850288" y="3353052"/>
-            <a:ext cx="1649255" cy="646331"/>
-          </a:xfrm>
-          <a:prstGeom prst="rect">
-            <a:avLst/>
-          </a:prstGeom>
-          <a:noFill/>
-        </p:spPr>
-        <p:txBody>
-          <a:bodyPr wrap="square" rtlCol="0">
-            <a:spAutoFit/>
-          </a:bodyPr>
-          <a:lstStyle/>
-          <a:p>
-            <a:r>
-              <a:rPr lang="en-US" altLang="zh-CN" dirty="0"/>
-              <a:t>Sample from Online dataset</a:t>
-            </a:r>
-          </a:p>
-        </p:txBody>
-      </p:sp>
-      <p:cxnSp>
-        <p:nvCxnSpPr>
-          <p:cNvPr id="50" name="直接箭头连接符 49">
-            <a:extLst>
-              <a:ext uri="{FF2B5EF4-FFF2-40B4-BE49-F238E27FC236}">
-                <a16:creationId xmlns:a16="http://schemas.microsoft.com/office/drawing/2014/main" id="{81B4C25A-4A6B-C7B8-9031-4038419F7EF9}"/>
-              </a:ext>
-            </a:extLst>
-          </p:cNvPr>
-          <p:cNvCxnSpPr>
-            <a:cxnSpLocks/>
-            <a:stCxn id="5" idx="3"/>
-            <a:endCxn id="26" idx="1"/>
-          </p:cNvCxnSpPr>
-          <p:nvPr/>
-        </p:nvCxnSpPr>
-        <p:spPr>
-          <a:xfrm>
-            <a:off x="2109223" y="2967723"/>
-            <a:ext cx="1015712" cy="1"/>
-          </a:xfrm>
-          <a:prstGeom prst="straightConnector1">
-            <a:avLst/>
-          </a:prstGeom>
-          <a:ln>
-            <a:tailEnd type="triangle"/>
-          </a:ln>
-        </p:spPr>
-        <p:style>
-          <a:lnRef idx="1">
-            <a:schemeClr val="accent1"/>
-          </a:lnRef>
-          <a:fillRef idx="0">
-            <a:schemeClr val="accent1"/>
-          </a:fillRef>
-          <a:effectRef idx="0">
-            <a:schemeClr val="accent1"/>
-          </a:effectRef>
-          <a:fontRef idx="minor">
-            <a:schemeClr val="tx1"/>
-          </a:fontRef>
-        </p:style>
-      </p:cxnSp>
-      <p:sp>
-        <p:nvSpPr>
-          <p:cNvPr id="54" name="文本框 53">
-            <a:extLst>
-              <a:ext uri="{FF2B5EF4-FFF2-40B4-BE49-F238E27FC236}">
-                <a16:creationId xmlns:a16="http://schemas.microsoft.com/office/drawing/2014/main" id="{6C0440A5-7190-D594-AE88-37DDAC70610C}"/>
-              </a:ext>
-            </a:extLst>
-          </p:cNvPr>
-          <p:cNvSpPr txBox="1"/>
-          <p:nvPr/>
-        </p:nvSpPr>
-        <p:spPr>
-          <a:xfrm>
-            <a:off x="2164208" y="2406709"/>
-            <a:ext cx="1015712" cy="646331"/>
-          </a:xfrm>
-          <a:prstGeom prst="rect">
-            <a:avLst/>
-          </a:prstGeom>
-          <a:noFill/>
-        </p:spPr>
-        <p:txBody>
-          <a:bodyPr wrap="square" rtlCol="0">
-            <a:spAutoFit/>
-          </a:bodyPr>
-          <a:lstStyle/>
-          <a:p>
-            <a:r>
-              <a:rPr lang="en-US" altLang="zh-CN" dirty="0"/>
-              <a:t>Prior Dataset</a:t>
-            </a:r>
-          </a:p>
-        </p:txBody>
-      </p:sp>
-      <p:sp>
-        <p:nvSpPr>
-          <p:cNvPr id="56" name="矩形 55">
-            <a:extLst>
-              <a:ext uri="{FF2B5EF4-FFF2-40B4-BE49-F238E27FC236}">
-                <a16:creationId xmlns:a16="http://schemas.microsoft.com/office/drawing/2014/main" id="{6096BA69-6812-F073-B211-B3B7965D7342}"/>
-              </a:ext>
-            </a:extLst>
-          </p:cNvPr>
-          <p:cNvSpPr/>
-          <p:nvPr/>
-        </p:nvSpPr>
-        <p:spPr>
-          <a:xfrm>
-            <a:off x="9523368" y="5044786"/>
-            <a:ext cx="1617515" cy="633578"/>
-          </a:xfrm>
-          <a:prstGeom prst="rect">
-            <a:avLst/>
-          </a:prstGeom>
-        </p:spPr>
-        <p:style>
-          <a:lnRef idx="2">
-            <a:schemeClr val="accent1">
-              <a:shade val="50000"/>
-            </a:schemeClr>
-          </a:lnRef>
-          <a:fillRef idx="1">
-            <a:schemeClr val="accent1"/>
-          </a:fillRef>
-          <a:effectRef idx="0">
-            <a:schemeClr val="accent1"/>
-          </a:effectRef>
-          <a:fontRef idx="minor">
-            <a:schemeClr val="lt1"/>
-          </a:fontRef>
-        </p:style>
-        <p:txBody>
-          <a:bodyPr rtlCol="0" anchor="ctr"/>
-          <a:lstStyle/>
-          <a:p>
-            <a:pPr algn="ctr"/>
-            <a:r>
-              <a:rPr lang="en-US" altLang="zh-CN" dirty="0"/>
-              <a:t>State Update</a:t>
-            </a:r>
-            <a:endParaRPr lang="zh-CN" altLang="en-US" dirty="0"/>
-          </a:p>
-        </p:txBody>
-      </p:sp>
-      <p:sp>
-        <p:nvSpPr>
-          <p:cNvPr id="57" name="矩形 56">
-            <a:extLst>
-              <a:ext uri="{FF2B5EF4-FFF2-40B4-BE49-F238E27FC236}">
-                <a16:creationId xmlns:a16="http://schemas.microsoft.com/office/drawing/2014/main" id="{A2699B5D-A320-628C-4137-6F2AEAEC1DB3}"/>
-              </a:ext>
-            </a:extLst>
-          </p:cNvPr>
-          <p:cNvSpPr/>
-          <p:nvPr/>
-        </p:nvSpPr>
-        <p:spPr>
-          <a:xfrm>
-            <a:off x="6601790" y="5044690"/>
-            <a:ext cx="1617515" cy="633578"/>
-          </a:xfrm>
-          <a:prstGeom prst="rect">
-            <a:avLst/>
-          </a:prstGeom>
-        </p:spPr>
-        <p:style>
-          <a:lnRef idx="2">
-            <a:schemeClr val="accent1">
-              <a:shade val="50000"/>
-            </a:schemeClr>
-          </a:lnRef>
-          <a:fillRef idx="1">
-            <a:schemeClr val="accent1"/>
-          </a:fillRef>
-          <a:effectRef idx="0">
-            <a:schemeClr val="accent1"/>
-          </a:effectRef>
-          <a:fontRef idx="minor">
-            <a:schemeClr val="lt1"/>
-          </a:fontRef>
-        </p:style>
-        <p:txBody>
-          <a:bodyPr rtlCol="0" anchor="ctr"/>
-          <a:lstStyle/>
-          <a:p>
-            <a:pPr algn="ctr"/>
-            <a:r>
-              <a:rPr lang="en-US" altLang="zh-CN" dirty="0"/>
-              <a:t>Reward Update</a:t>
-            </a:r>
-            <a:endParaRPr lang="zh-CN" altLang="en-US" dirty="0"/>
-          </a:p>
-        </p:txBody>
-      </p:sp>
-      <p:cxnSp>
-        <p:nvCxnSpPr>
-          <p:cNvPr id="62" name="直接箭头连接符 61">
-            <a:extLst>
-              <a:ext uri="{FF2B5EF4-FFF2-40B4-BE49-F238E27FC236}">
-                <a16:creationId xmlns:a16="http://schemas.microsoft.com/office/drawing/2014/main" id="{81EB3F5B-4127-4E43-FC76-761DC7A6D81B}"/>
-              </a:ext>
-            </a:extLst>
-          </p:cNvPr>
-          <p:cNvCxnSpPr>
-            <a:cxnSpLocks/>
-            <a:stCxn id="56" idx="1"/>
-            <a:endCxn id="57" idx="3"/>
-          </p:cNvCxnSpPr>
-          <p:nvPr/>
-        </p:nvCxnSpPr>
-        <p:spPr>
-          <a:xfrm flipH="1" flipV="1">
-            <a:off x="8219305" y="5361479"/>
-            <a:ext cx="1304063" cy="96"/>
-          </a:xfrm>
-          <a:prstGeom prst="straightConnector1">
-            <a:avLst/>
-          </a:prstGeom>
-          <a:ln>
-            <a:tailEnd type="triangle"/>
-          </a:ln>
-        </p:spPr>
-        <p:style>
-          <a:lnRef idx="1">
-            <a:schemeClr val="accent1"/>
-          </a:lnRef>
-          <a:fillRef idx="0">
-            <a:schemeClr val="accent1"/>
-          </a:fillRef>
-          <a:effectRef idx="0">
-            <a:schemeClr val="accent1"/>
-          </a:effectRef>
-          <a:fontRef idx="minor">
-            <a:schemeClr val="tx1"/>
-          </a:fontRef>
-        </p:style>
-      </p:cxnSp>
-      <p:sp>
-        <p:nvSpPr>
-          <p:cNvPr id="70" name="文本框 69">
-            <a:extLst>
-              <a:ext uri="{FF2B5EF4-FFF2-40B4-BE49-F238E27FC236}">
-                <a16:creationId xmlns:a16="http://schemas.microsoft.com/office/drawing/2014/main" id="{76922F29-3EFE-24BB-BDD6-E0CC9DFEEA06}"/>
-              </a:ext>
-            </a:extLst>
-          </p:cNvPr>
-          <p:cNvSpPr txBox="1"/>
-          <p:nvPr/>
-        </p:nvSpPr>
-        <p:spPr>
-          <a:xfrm>
-            <a:off x="4845854" y="245795"/>
-            <a:ext cx="1800493" cy="369332"/>
-          </a:xfrm>
-          <a:prstGeom prst="rect">
-            <a:avLst/>
-          </a:prstGeom>
-          <a:noFill/>
-        </p:spPr>
-        <p:txBody>
-          <a:bodyPr wrap="none" rtlCol="0">
-            <a:spAutoFit/>
-          </a:bodyPr>
-          <a:lstStyle/>
-          <a:p>
-            <a:r>
-              <a:rPr lang="en-US" altLang="zh-CN" b="1" dirty="0"/>
-              <a:t>Online Training</a:t>
-            </a:r>
-            <a:endParaRPr lang="zh-CN" altLang="en-US" b="1" dirty="0"/>
-          </a:p>
-        </p:txBody>
-      </p:sp>
-      <p:cxnSp>
-        <p:nvCxnSpPr>
-          <p:cNvPr id="7" name="连接符: 肘形 6">
-            <a:extLst>
-              <a:ext uri="{FF2B5EF4-FFF2-40B4-BE49-F238E27FC236}">
-                <a16:creationId xmlns:a16="http://schemas.microsoft.com/office/drawing/2014/main" id="{64383AAD-07DC-DE13-893F-C571B61E58A6}"/>
-              </a:ext>
-            </a:extLst>
-          </p:cNvPr>
-          <p:cNvCxnSpPr>
-            <a:cxnSpLocks/>
-            <a:stCxn id="15" idx="3"/>
-            <a:endCxn id="56" idx="3"/>
-          </p:cNvCxnSpPr>
-          <p:nvPr/>
-        </p:nvCxnSpPr>
-        <p:spPr>
-          <a:xfrm flipH="1">
-            <a:off x="11140883" y="1893996"/>
-            <a:ext cx="96985" cy="3467579"/>
-          </a:xfrm>
-          <a:prstGeom prst="bentConnector3">
-            <a:avLst>
-              <a:gd name="adj1" fmla="val -429817"/>
-            </a:avLst>
-          </a:prstGeom>
-          <a:ln>
-            <a:tailEnd type="triangle"/>
-          </a:ln>
-        </p:spPr>
-        <p:style>
-          <a:lnRef idx="1">
-            <a:schemeClr val="accent1"/>
-          </a:lnRef>
-          <a:fillRef idx="0">
-            <a:schemeClr val="accent1"/>
-          </a:fillRef>
-          <a:effectRef idx="0">
-            <a:schemeClr val="accent1"/>
-          </a:effectRef>
-          <a:fontRef idx="minor">
-            <a:schemeClr val="tx1"/>
-          </a:fontRef>
-        </p:style>
-      </p:cxnSp>
-      <p:cxnSp>
-        <p:nvCxnSpPr>
-          <p:cNvPr id="14" name="直接箭头连接符 13">
-            <a:extLst>
-              <a:ext uri="{FF2B5EF4-FFF2-40B4-BE49-F238E27FC236}">
-                <a16:creationId xmlns:a16="http://schemas.microsoft.com/office/drawing/2014/main" id="{2B26C8D7-A70B-BFF2-B057-0943F675151D}"/>
-              </a:ext>
-            </a:extLst>
-          </p:cNvPr>
-          <p:cNvCxnSpPr>
-            <a:cxnSpLocks/>
-          </p:cNvCxnSpPr>
-          <p:nvPr/>
-        </p:nvCxnSpPr>
-        <p:spPr>
-          <a:xfrm flipV="1">
-            <a:off x="10538315" y="2255375"/>
-            <a:ext cx="0" cy="461806"/>
-          </a:xfrm>
-          <a:prstGeom prst="straightConnector1">
-            <a:avLst/>
-          </a:prstGeom>
-          <a:ln>
-            <a:tailEnd type="triangle"/>
-          </a:ln>
-        </p:spPr>
-        <p:style>
-          <a:lnRef idx="1">
-            <a:schemeClr val="accent1"/>
-          </a:lnRef>
-          <a:fillRef idx="0">
-            <a:schemeClr val="accent1"/>
-          </a:fillRef>
-          <a:effectRef idx="0">
-            <a:schemeClr val="accent1"/>
-          </a:effectRef>
-          <a:fontRef idx="minor">
-            <a:schemeClr val="tx1"/>
-          </a:fontRef>
-        </p:style>
-      </p:cxnSp>
+        </p:spPr>
+      </p:pic>
     </p:spTree>
     <p:extLst>
       <p:ext uri="{BB962C8B-B14F-4D97-AF65-F5344CB8AC3E}">
